--- a/7. Javascript/Slides/DOM.pptx
+++ b/7. Javascript/Slides/DOM.pptx
@@ -22,7 +22,8 @@
     <p:sldId id="428" r:id="rId16"/>
     <p:sldId id="431" r:id="rId17"/>
     <p:sldId id="432" r:id="rId18"/>
-    <p:sldId id="292" r:id="rId19"/>
+    <p:sldId id="433" r:id="rId19"/>
+    <p:sldId id="292" r:id="rId20"/>
   </p:sldIdLst>
   <p:sldSz cx="12192000" cy="6858000"/>
   <p:notesSz cx="6858000" cy="9144000"/>
@@ -280,7 +281,7 @@
           <a:p>
             <a:fld id="{B6D41BCC-AD73-4203-A5A6-E62EB28B0FE6}" type="datetimeFigureOut">
               <a:rPr lang="en-US" smtClean="0"/>
-              <a:t>11/24/2023</a:t>
+              <a:t>11/25/2023</a:t>
             </a:fld>
             <a:endParaRPr lang="en-US"/>
           </a:p>
@@ -488,7 +489,7 @@
           <a:p>
             <a:fld id="{B6D41BCC-AD73-4203-A5A6-E62EB28B0FE6}" type="datetimeFigureOut">
               <a:rPr lang="en-US" smtClean="0"/>
-              <a:t>11/24/2023</a:t>
+              <a:t>11/25/2023</a:t>
             </a:fld>
             <a:endParaRPr lang="en-US"/>
           </a:p>
@@ -696,7 +697,7 @@
           <a:p>
             <a:fld id="{B6D41BCC-AD73-4203-A5A6-E62EB28B0FE6}" type="datetimeFigureOut">
               <a:rPr lang="en-US" smtClean="0"/>
-              <a:t>11/24/2023</a:t>
+              <a:t>11/25/2023</a:t>
             </a:fld>
             <a:endParaRPr lang="en-US"/>
           </a:p>
@@ -894,7 +895,7 @@
           <a:p>
             <a:fld id="{B6D41BCC-AD73-4203-A5A6-E62EB28B0FE6}" type="datetimeFigureOut">
               <a:rPr lang="en-US" smtClean="0"/>
-              <a:t>11/24/2023</a:t>
+              <a:t>11/25/2023</a:t>
             </a:fld>
             <a:endParaRPr lang="en-US"/>
           </a:p>
@@ -1303,7 +1304,7 @@
           <a:p>
             <a:fld id="{B6D41BCC-AD73-4203-A5A6-E62EB28B0FE6}" type="datetimeFigureOut">
               <a:rPr lang="en-US" smtClean="0"/>
-              <a:t>11/24/2023</a:t>
+              <a:t>11/25/2023</a:t>
             </a:fld>
             <a:endParaRPr lang="en-US"/>
           </a:p>
@@ -1573,7 +1574,7 @@
           <a:p>
             <a:fld id="{B6D41BCC-AD73-4203-A5A6-E62EB28B0FE6}" type="datetimeFigureOut">
               <a:rPr lang="en-US" smtClean="0"/>
-              <a:t>11/24/2023</a:t>
+              <a:t>11/25/2023</a:t>
             </a:fld>
             <a:endParaRPr lang="en-US"/>
           </a:p>
@@ -1989,7 +1990,7 @@
           <a:p>
             <a:fld id="{B6D41BCC-AD73-4203-A5A6-E62EB28B0FE6}" type="datetimeFigureOut">
               <a:rPr lang="en-US" smtClean="0"/>
-              <a:t>11/24/2023</a:t>
+              <a:t>11/25/2023</a:t>
             </a:fld>
             <a:endParaRPr lang="en-US"/>
           </a:p>
@@ -2130,7 +2131,7 @@
           <a:p>
             <a:fld id="{B6D41BCC-AD73-4203-A5A6-E62EB28B0FE6}" type="datetimeFigureOut">
               <a:rPr lang="en-US" smtClean="0"/>
-              <a:t>11/24/2023</a:t>
+              <a:t>11/25/2023</a:t>
             </a:fld>
             <a:endParaRPr lang="en-US"/>
           </a:p>
@@ -2243,7 +2244,7 @@
           <a:p>
             <a:fld id="{B6D41BCC-AD73-4203-A5A6-E62EB28B0FE6}" type="datetimeFigureOut">
               <a:rPr lang="en-US" smtClean="0"/>
-              <a:t>11/24/2023</a:t>
+              <a:t>11/25/2023</a:t>
             </a:fld>
             <a:endParaRPr lang="en-US"/>
           </a:p>
@@ -2569,7 +2570,7 @@
           <a:p>
             <a:fld id="{B6D41BCC-AD73-4203-A5A6-E62EB28B0FE6}" type="datetimeFigureOut">
               <a:rPr lang="en-US" smtClean="0"/>
-              <a:t>11/24/2023</a:t>
+              <a:t>11/25/2023</a:t>
             </a:fld>
             <a:endParaRPr lang="en-US"/>
           </a:p>
@@ -2857,7 +2858,7 @@
           <a:p>
             <a:fld id="{B6D41BCC-AD73-4203-A5A6-E62EB28B0FE6}" type="datetimeFigureOut">
               <a:rPr lang="en-US" smtClean="0"/>
-              <a:t>11/24/2023</a:t>
+              <a:t>11/25/2023</a:t>
             </a:fld>
             <a:endParaRPr lang="en-US"/>
           </a:p>
@@ -3097,7 +3098,7 @@
             <a:fld id="{B6D41BCC-AD73-4203-A5A6-E62EB28B0FE6}" type="datetimeFigureOut">
               <a:rPr lang="en-US" smtClean="0"/>
               <a:pPr/>
-              <a:t>11/24/2023</a:t>
+              <a:t>11/25/2023</a:t>
             </a:fld>
             <a:endParaRPr lang="en-US"/>
           </a:p>
@@ -3571,7 +3572,7 @@
                 <a16:creationId xmlns:a16="http://schemas.microsoft.com/office/drawing/2014/main" id="{BE229233-9672-4675-99B7-6CBCEF1CD415}"/>
               </a:ext>
               <a:ext uri="{C183D7F6-B498-43B3-948B-1728B52AA6E4}">
-                <adec:decorative xmlns:adec="http://schemas.microsoft.com/office/drawing/2017/decorative" xmlns="" val="1"/>
+                <adec:decorative xmlns="" xmlns:adec="http://schemas.microsoft.com/office/drawing/2017/decorative" val="1"/>
               </a:ext>
             </a:extLst>
           </p:cNvPr>
@@ -3666,7 +3667,7 @@
                 <a16:creationId xmlns:a16="http://schemas.microsoft.com/office/drawing/2014/main" id="{EC5FF010-B53C-46BE-BEEF-AF926A00F67F}"/>
               </a:ext>
               <a:ext uri="{C183D7F6-B498-43B3-948B-1728B52AA6E4}">
-                <adec:decorative xmlns:adec="http://schemas.microsoft.com/office/drawing/2017/decorative" xmlns="" val="1"/>
+                <adec:decorative xmlns="" xmlns:adec="http://schemas.microsoft.com/office/drawing/2017/decorative" val="1"/>
               </a:ext>
             </a:extLst>
           </p:cNvPr>
@@ -3732,7 +3733,7 @@
                 <a16:creationId xmlns:a16="http://schemas.microsoft.com/office/drawing/2014/main" id="{8509AD9C-1F43-4138-A72B-8CA988EDD475}"/>
               </a:ext>
               <a:ext uri="{C183D7F6-B498-43B3-948B-1728B52AA6E4}">
-                <adec:decorative xmlns:adec="http://schemas.microsoft.com/office/drawing/2017/decorative" xmlns="" val="1"/>
+                <adec:decorative xmlns="" xmlns:adec="http://schemas.microsoft.com/office/drawing/2017/decorative" val="1"/>
               </a:ext>
             </a:extLst>
           </p:cNvPr>
@@ -3881,6 +3882,13 @@
   <p:clrMapOvr>
     <a:masterClrMapping/>
   </p:clrMapOvr>
+  <p:timing>
+    <p:tnLst>
+      <p:par>
+        <p:cTn id="1" dur="indefinite" restart="never" nodeType="tmRoot"/>
+      </p:par>
+    </p:tnLst>
+  </p:timing>
 </p:sld>
 </file>
 
@@ -4647,6 +4655,13 @@
   <p:clrMapOvr>
     <a:masterClrMapping/>
   </p:clrMapOvr>
+  <p:timing>
+    <p:tnLst>
+      <p:par>
+        <p:cTn id="1" dur="indefinite" restart="never" nodeType="tmRoot"/>
+      </p:par>
+    </p:tnLst>
+  </p:timing>
 </p:sld>
 </file>
 
@@ -7836,6 +7851,196 @@
       </p:grpSpPr>
       <p:sp>
         <p:nvSpPr>
+          <p:cNvPr id="2" name="Titel 1"/>
+          <p:cNvSpPr>
+            <a:spLocks noGrp="1"/>
+          </p:cNvSpPr>
+          <p:nvPr>
+            <p:ph type="title"/>
+          </p:nvPr>
+        </p:nvSpPr>
+        <p:spPr/>
+        <p:txBody>
+          <a:bodyPr/>
+          <a:lstStyle/>
+          <a:p>
+            <a:r>
+              <a:rPr lang="de-AT" dirty="0" smtClean="0"/>
+              <a:t>Abschlussübung Expert Level „Black Jack“</a:t>
+            </a:r>
+            <a:endParaRPr lang="en-US" dirty="0"/>
+          </a:p>
+        </p:txBody>
+      </p:sp>
+      <p:sp>
+        <p:nvSpPr>
+          <p:cNvPr id="3" name="Inhaltsplatzhalter 2"/>
+          <p:cNvSpPr>
+            <a:spLocks noGrp="1"/>
+          </p:cNvSpPr>
+          <p:nvPr>
+            <p:ph idx="1"/>
+          </p:nvPr>
+        </p:nvSpPr>
+        <p:spPr>
+          <a:xfrm>
+            <a:off x="1011116" y="2057400"/>
+            <a:ext cx="5926016" cy="4137259"/>
+          </a:xfrm>
+        </p:spPr>
+        <p:txBody>
+          <a:bodyPr>
+            <a:normAutofit fontScale="85000" lnSpcReduction="10000"/>
+          </a:bodyPr>
+          <a:lstStyle/>
+          <a:p>
+            <a:r>
+              <a:rPr lang="de-AT" dirty="0" smtClean="0"/>
+              <a:t>Schreibe eine Webanwendung um ein Black Jack Spiel zu simulieren, bei der ein Spieler Black Jack gegen die Bank spielt</a:t>
+            </a:r>
+          </a:p>
+          <a:p>
+            <a:pPr lvl="1"/>
+            <a:r>
+              <a:rPr lang="de-AT" dirty="0" smtClean="0"/>
+              <a:t>Der Spieler versucht so nahe wie möglich auf 21 zu kommen</a:t>
+            </a:r>
+          </a:p>
+          <a:p>
+            <a:pPr lvl="1"/>
+            <a:r>
+              <a:rPr lang="de-AT" dirty="0" smtClean="0"/>
+              <a:t>Die Bank zieht Karten, so lange bis sie 16 oder mehr auf der Hand hat</a:t>
+            </a:r>
+          </a:p>
+          <a:p>
+            <a:pPr lvl="1"/>
+            <a:r>
+              <a:rPr lang="de-AT" dirty="0" smtClean="0"/>
+              <a:t>Wenn Spieler oder Bank über 21 kommen, verlieren sie das Spiel</a:t>
+            </a:r>
+          </a:p>
+          <a:p>
+            <a:pPr lvl="1"/>
+            <a:r>
+              <a:rPr lang="de-AT" dirty="0" smtClean="0"/>
+              <a:t>Es gewinnt derjenige der näher an 21 dran ist </a:t>
+            </a:r>
+          </a:p>
+          <a:p>
+            <a:r>
+              <a:rPr lang="de-AT" dirty="0" smtClean="0"/>
+              <a:t>Der Spieler startet mit einem vorgegebenen </a:t>
+            </a:r>
+            <a:r>
+              <a:rPr lang="de-AT" dirty="0" err="1" smtClean="0"/>
+              <a:t>Chipstack</a:t>
+            </a:r>
+            <a:endParaRPr lang="de-AT" smtClean="0"/>
+          </a:p>
+          <a:p>
+            <a:r>
+              <a:rPr lang="de-AT" smtClean="0"/>
+              <a:t>In </a:t>
+            </a:r>
+            <a:r>
+              <a:rPr lang="de-AT" dirty="0" smtClean="0"/>
+              <a:t>jeder Runde wird ein fixer Einsatz seiner verfügbaren Chips eingesetzt</a:t>
+            </a:r>
+          </a:p>
+          <a:p>
+            <a:r>
+              <a:rPr lang="de-AT" dirty="0" smtClean="0"/>
+              <a:t>Der </a:t>
+            </a:r>
+            <a:r>
+              <a:rPr lang="de-AT" dirty="0" err="1" smtClean="0"/>
+              <a:t>Chipstack</a:t>
+            </a:r>
+            <a:r>
+              <a:rPr lang="de-AT" dirty="0" smtClean="0"/>
+              <a:t> des Spielers verändert sich nach jeder Runde</a:t>
+            </a:r>
+          </a:p>
+          <a:p>
+            <a:pPr lvl="1"/>
+            <a:r>
+              <a:rPr lang="de-AT" dirty="0" smtClean="0"/>
+              <a:t>Gewinnt der Spieler bekommt er seinen doppelten Einsatz zurück</a:t>
+            </a:r>
+          </a:p>
+          <a:p>
+            <a:pPr lvl="1"/>
+            <a:r>
+              <a:rPr lang="de-AT" dirty="0"/>
+              <a:t>V</a:t>
+            </a:r>
+            <a:r>
+              <a:rPr lang="de-AT" dirty="0" smtClean="0"/>
+              <a:t>erliert er die Runde verliert er auch seinen Einsatz</a:t>
+            </a:r>
+          </a:p>
+          <a:p>
+            <a:endParaRPr lang="en-US" dirty="0"/>
+          </a:p>
+        </p:txBody>
+      </p:sp>
+      <p:pic>
+        <p:nvPicPr>
+          <p:cNvPr id="4" name="Grafik 3"/>
+          <p:cNvPicPr>
+            <a:picLocks noChangeAspect="1"/>
+          </p:cNvPicPr>
+          <p:nvPr/>
+        </p:nvPicPr>
+        <p:blipFill>
+          <a:blip r:embed="rId2"/>
+          <a:stretch>
+            <a:fillRect/>
+          </a:stretch>
+        </p:blipFill>
+        <p:spPr>
+          <a:xfrm>
+            <a:off x="7376747" y="2147184"/>
+            <a:ext cx="4588116" cy="2947263"/>
+          </a:xfrm>
+          <a:prstGeom prst="rect">
+            <a:avLst/>
+          </a:prstGeom>
+        </p:spPr>
+      </p:pic>
+    </p:spTree>
+    <p:extLst>
+      <p:ext uri="{BB962C8B-B14F-4D97-AF65-F5344CB8AC3E}">
+        <p14:creationId xmlns:p14="http://schemas.microsoft.com/office/powerpoint/2010/main" val="3045681848"/>
+      </p:ext>
+    </p:extLst>
+  </p:cSld>
+  <p:clrMapOvr>
+    <a:masterClrMapping/>
+  </p:clrMapOvr>
+</p:sld>
+</file>
+
+<file path=ppt/slides/slide19.xml><?xml version="1.0" encoding="utf-8"?>
+<p:sld xmlns:a="http://schemas.openxmlformats.org/drawingml/2006/main" xmlns:r="http://schemas.openxmlformats.org/officeDocument/2006/relationships" xmlns:p="http://schemas.openxmlformats.org/presentationml/2006/main">
+  <p:cSld>
+    <p:spTree>
+      <p:nvGrpSpPr>
+        <p:cNvPr id="1" name=""/>
+        <p:cNvGrpSpPr/>
+        <p:nvPr/>
+      </p:nvGrpSpPr>
+      <p:grpSpPr>
+        <a:xfrm>
+          <a:off x="0" y="0"/>
+          <a:ext cx="0" cy="0"/>
+          <a:chOff x="0" y="0"/>
+          <a:chExt cx="0" cy="0"/>
+        </a:xfrm>
+      </p:grpSpPr>
+      <p:sp>
+        <p:nvSpPr>
           <p:cNvPr id="6" name="Titel 5">
             <a:extLst>
               <a:ext uri="{FF2B5EF4-FFF2-40B4-BE49-F238E27FC236}">
@@ -8130,6 +8335,13 @@
   <p:clrMapOvr>
     <a:masterClrMapping/>
   </p:clrMapOvr>
+  <p:timing>
+    <p:tnLst>
+      <p:par>
+        <p:cTn id="1" dur="indefinite" restart="never" nodeType="tmRoot"/>
+      </p:par>
+    </p:tnLst>
+  </p:timing>
 </p:sld>
 </file>
 
@@ -8221,7 +8433,6 @@
               <a:rPr lang="de-AT" dirty="0" smtClean="0"/>
               <a:t>Eingebunden</a:t>
             </a:r>
-            <a:endParaRPr lang="de-AT" dirty="0" smtClean="0"/>
           </a:p>
           <a:p>
             <a:r>
@@ -8337,6 +8548,13 @@
   <p:clrMapOvr>
     <a:masterClrMapping/>
   </p:clrMapOvr>
+  <p:timing>
+    <p:tnLst>
+      <p:par>
+        <p:cTn id="1" dur="indefinite" restart="never" nodeType="tmRoot"/>
+      </p:par>
+    </p:tnLst>
+  </p:timing>
 </p:sld>
 </file>
 
@@ -8540,6 +8758,13 @@
   <p:clrMapOvr>
     <a:masterClrMapping/>
   </p:clrMapOvr>
+  <p:timing>
+    <p:tnLst>
+      <p:par>
+        <p:cTn id="1" dur="indefinite" restart="never" nodeType="tmRoot"/>
+      </p:par>
+    </p:tnLst>
+  </p:timing>
 </p:sld>
 </file>
 
@@ -8729,6 +8954,13 @@
   <p:clrMapOvr>
     <a:masterClrMapping/>
   </p:clrMapOvr>
+  <p:timing>
+    <p:tnLst>
+      <p:par>
+        <p:cTn id="1" dur="indefinite" restart="never" nodeType="tmRoot"/>
+      </p:par>
+    </p:tnLst>
+  </p:timing>
 </p:sld>
 </file>
 

--- a/7. Javascript/Slides/DOM.pptx
+++ b/7. Javascript/Slides/DOM.pptx
@@ -23,7 +23,16 @@
     <p:sldId id="431" r:id="rId17"/>
     <p:sldId id="432" r:id="rId18"/>
     <p:sldId id="433" r:id="rId19"/>
-    <p:sldId id="292" r:id="rId20"/>
+    <p:sldId id="435" r:id="rId20"/>
+    <p:sldId id="434" r:id="rId21"/>
+    <p:sldId id="436" r:id="rId22"/>
+    <p:sldId id="440" r:id="rId23"/>
+    <p:sldId id="442" r:id="rId24"/>
+    <p:sldId id="437" r:id="rId25"/>
+    <p:sldId id="438" r:id="rId26"/>
+    <p:sldId id="439" r:id="rId27"/>
+    <p:sldId id="441" r:id="rId28"/>
+    <p:sldId id="292" r:id="rId29"/>
   </p:sldIdLst>
   <p:sldSz cx="12192000" cy="6858000"/>
   <p:notesSz cx="6858000" cy="9144000"/>
@@ -281,7 +290,7 @@
           <a:p>
             <a:fld id="{B6D41BCC-AD73-4203-A5A6-E62EB28B0FE6}" type="datetimeFigureOut">
               <a:rPr lang="en-US" smtClean="0"/>
-              <a:t>11/25/2023</a:t>
+              <a:t>11/28/2023</a:t>
             </a:fld>
             <a:endParaRPr lang="en-US"/>
           </a:p>
@@ -489,7 +498,7 @@
           <a:p>
             <a:fld id="{B6D41BCC-AD73-4203-A5A6-E62EB28B0FE6}" type="datetimeFigureOut">
               <a:rPr lang="en-US" smtClean="0"/>
-              <a:t>11/25/2023</a:t>
+              <a:t>11/28/2023</a:t>
             </a:fld>
             <a:endParaRPr lang="en-US"/>
           </a:p>
@@ -697,7 +706,7 @@
           <a:p>
             <a:fld id="{B6D41BCC-AD73-4203-A5A6-E62EB28B0FE6}" type="datetimeFigureOut">
               <a:rPr lang="en-US" smtClean="0"/>
-              <a:t>11/25/2023</a:t>
+              <a:t>11/28/2023</a:t>
             </a:fld>
             <a:endParaRPr lang="en-US"/>
           </a:p>
@@ -895,7 +904,7 @@
           <a:p>
             <a:fld id="{B6D41BCC-AD73-4203-A5A6-E62EB28B0FE6}" type="datetimeFigureOut">
               <a:rPr lang="en-US" smtClean="0"/>
-              <a:t>11/25/2023</a:t>
+              <a:t>11/28/2023</a:t>
             </a:fld>
             <a:endParaRPr lang="en-US"/>
           </a:p>
@@ -1304,7 +1313,7 @@
           <a:p>
             <a:fld id="{B6D41BCC-AD73-4203-A5A6-E62EB28B0FE6}" type="datetimeFigureOut">
               <a:rPr lang="en-US" smtClean="0"/>
-              <a:t>11/25/2023</a:t>
+              <a:t>11/28/2023</a:t>
             </a:fld>
             <a:endParaRPr lang="en-US"/>
           </a:p>
@@ -1574,7 +1583,7 @@
           <a:p>
             <a:fld id="{B6D41BCC-AD73-4203-A5A6-E62EB28B0FE6}" type="datetimeFigureOut">
               <a:rPr lang="en-US" smtClean="0"/>
-              <a:t>11/25/2023</a:t>
+              <a:t>11/28/2023</a:t>
             </a:fld>
             <a:endParaRPr lang="en-US"/>
           </a:p>
@@ -1990,7 +1999,7 @@
           <a:p>
             <a:fld id="{B6D41BCC-AD73-4203-A5A6-E62EB28B0FE6}" type="datetimeFigureOut">
               <a:rPr lang="en-US" smtClean="0"/>
-              <a:t>11/25/2023</a:t>
+              <a:t>11/28/2023</a:t>
             </a:fld>
             <a:endParaRPr lang="en-US"/>
           </a:p>
@@ -2131,7 +2140,7 @@
           <a:p>
             <a:fld id="{B6D41BCC-AD73-4203-A5A6-E62EB28B0FE6}" type="datetimeFigureOut">
               <a:rPr lang="en-US" smtClean="0"/>
-              <a:t>11/25/2023</a:t>
+              <a:t>11/28/2023</a:t>
             </a:fld>
             <a:endParaRPr lang="en-US"/>
           </a:p>
@@ -2244,7 +2253,7 @@
           <a:p>
             <a:fld id="{B6D41BCC-AD73-4203-A5A6-E62EB28B0FE6}" type="datetimeFigureOut">
               <a:rPr lang="en-US" smtClean="0"/>
-              <a:t>11/25/2023</a:t>
+              <a:t>11/28/2023</a:t>
             </a:fld>
             <a:endParaRPr lang="en-US"/>
           </a:p>
@@ -2570,7 +2579,7 @@
           <a:p>
             <a:fld id="{B6D41BCC-AD73-4203-A5A6-E62EB28B0FE6}" type="datetimeFigureOut">
               <a:rPr lang="en-US" smtClean="0"/>
-              <a:t>11/25/2023</a:t>
+              <a:t>11/28/2023</a:t>
             </a:fld>
             <a:endParaRPr lang="en-US"/>
           </a:p>
@@ -2858,7 +2867,7 @@
           <a:p>
             <a:fld id="{B6D41BCC-AD73-4203-A5A6-E62EB28B0FE6}" type="datetimeFigureOut">
               <a:rPr lang="en-US" smtClean="0"/>
-              <a:t>11/25/2023</a:t>
+              <a:t>11/28/2023</a:t>
             </a:fld>
             <a:endParaRPr lang="en-US"/>
           </a:p>
@@ -3098,7 +3107,7 @@
             <a:fld id="{B6D41BCC-AD73-4203-A5A6-E62EB28B0FE6}" type="datetimeFigureOut">
               <a:rPr lang="en-US" smtClean="0"/>
               <a:pPr/>
-              <a:t>11/25/2023</a:t>
+              <a:t>11/28/2023</a:t>
             </a:fld>
             <a:endParaRPr lang="en-US"/>
           </a:p>
@@ -3572,7 +3581,7 @@
                 <a16:creationId xmlns:a16="http://schemas.microsoft.com/office/drawing/2014/main" id="{BE229233-9672-4675-99B7-6CBCEF1CD415}"/>
               </a:ext>
               <a:ext uri="{C183D7F6-B498-43B3-948B-1728B52AA6E4}">
-                <adec:decorative xmlns="" xmlns:adec="http://schemas.microsoft.com/office/drawing/2017/decorative" val="1"/>
+                <adec:decorative xmlns:adec="http://schemas.microsoft.com/office/drawing/2017/decorative" val="1"/>
               </a:ext>
             </a:extLst>
           </p:cNvPr>
@@ -3667,7 +3676,7 @@
                 <a16:creationId xmlns:a16="http://schemas.microsoft.com/office/drawing/2014/main" id="{EC5FF010-B53C-46BE-BEEF-AF926A00F67F}"/>
               </a:ext>
               <a:ext uri="{C183D7F6-B498-43B3-948B-1728B52AA6E4}">
-                <adec:decorative xmlns="" xmlns:adec="http://schemas.microsoft.com/office/drawing/2017/decorative" val="1"/>
+                <adec:decorative xmlns:adec="http://schemas.microsoft.com/office/drawing/2017/decorative" val="1"/>
               </a:ext>
             </a:extLst>
           </p:cNvPr>
@@ -3733,7 +3742,7 @@
                 <a16:creationId xmlns:a16="http://schemas.microsoft.com/office/drawing/2014/main" id="{8509AD9C-1F43-4138-A72B-8CA988EDD475}"/>
               </a:ext>
               <a:ext uri="{C183D7F6-B498-43B3-948B-1728B52AA6E4}">
-                <adec:decorative xmlns="" xmlns:adec="http://schemas.microsoft.com/office/drawing/2017/decorative" val="1"/>
+                <adec:decorative xmlns:adec="http://schemas.microsoft.com/office/drawing/2017/decorative" val="1"/>
               </a:ext>
             </a:extLst>
           </p:cNvPr>
@@ -3882,13 +3891,6 @@
   <p:clrMapOvr>
     <a:masterClrMapping/>
   </p:clrMapOvr>
-  <p:timing>
-    <p:tnLst>
-      <p:par>
-        <p:cTn id="1" dur="indefinite" restart="never" nodeType="tmRoot"/>
-      </p:par>
-    </p:tnLst>
-  </p:timing>
 </p:sld>
 </file>
 
@@ -4526,7 +4528,7 @@
           <a:lstStyle/>
           <a:p>
             <a:r>
-              <a:rPr lang="de-AT" dirty="0" smtClean="0"/>
+              <a:rPr lang="de-AT" dirty="0"/>
               <a:t>Übung zu DOM Manipulation Teil 1</a:t>
             </a:r>
             <a:endParaRPr lang="en-US" dirty="0"/>
@@ -4551,52 +4553,39 @@
         </p:spPr>
         <p:txBody>
           <a:bodyPr>
-            <a:normAutofit/>
+            <a:normAutofit lnSpcReduction="10000"/>
           </a:bodyPr>
           <a:lstStyle/>
           <a:p>
             <a:r>
-              <a:rPr lang="de-DE" dirty="0" smtClean="0"/>
+              <a:rPr lang="de-DE" dirty="0"/>
               <a:t>Schreibe eine JavaScript-Datei (index.js) und manipuliere den DOM, um Folgendes zu erreichen:</a:t>
             </a:r>
           </a:p>
           <a:p>
             <a:r>
-              <a:rPr lang="de-DE" dirty="0" smtClean="0"/>
+              <a:rPr lang="de-DE" dirty="0"/>
               <a:t>Wähle das &lt;p&gt;-Element mit der ID "</a:t>
             </a:r>
             <a:r>
-              <a:rPr lang="de-DE" dirty="0" err="1" smtClean="0"/>
+              <a:rPr lang="de-DE" dirty="0" err="1"/>
               <a:t>output</a:t>
             </a:r>
             <a:r>
-              <a:rPr lang="de-DE" dirty="0" smtClean="0"/>
+              <a:rPr lang="de-DE" dirty="0"/>
               <a:t>" aus und ändere seinen Textinhalt auf "Text geändert!".</a:t>
             </a:r>
           </a:p>
           <a:p>
             <a:r>
-              <a:rPr lang="de-DE" dirty="0" smtClean="0"/>
-              <a:t>Wähle </a:t>
-            </a:r>
-            <a:r>
               <a:rPr lang="de-DE" dirty="0"/>
-              <a:t>das &lt;h1&gt;-Element innerhalb des &lt;div&gt; mit der ID "main-container" aus und ändere seinen Textinhalt auf "DOM-Manipulationsübung abgeschlossen</a:t>
-            </a:r>
-            <a:r>
-              <a:rPr lang="de-DE" dirty="0" smtClean="0"/>
-              <a:t>!".</a:t>
-            </a:r>
-            <a:endParaRPr lang="de-DE" dirty="0"/>
-          </a:p>
-          <a:p>
-            <a:r>
-              <a:rPr lang="de-DE" dirty="0" smtClean="0"/>
-              <a:t>Wähle </a:t>
-            </a:r>
+              <a:t>Wähle das &lt;h1&gt;-Element innerhalb des &lt;div&gt; mit der ID "main-container" aus und ändere seinen Textinhalt auf "DOM-Manipulationsübung abgeschlossen!".</a:t>
+            </a:r>
+          </a:p>
+          <a:p>
             <a:r>
               <a:rPr lang="de-DE" dirty="0"/>
-              <a:t>das &lt;</a:t>
+              <a:t>Wähle das &lt;</a:t>
             </a:r>
             <a:r>
               <a:rPr lang="de-DE" dirty="0" err="1"/>
@@ -4612,11 +4601,7 @@
             </a:r>
             <a:r>
               <a:rPr lang="de-DE" dirty="0"/>
-              <a:t>" aus und ändere </a:t>
-            </a:r>
-            <a:r>
-              <a:rPr lang="de-DE" dirty="0" smtClean="0"/>
-              <a:t>seinen Textinhalt auf "Klick mich!„ und seine Hintergrundfarbe auf blau.</a:t>
+              <a:t>" aus und ändere seinen Textinhalt auf "Klick mich!„ und seine Hintergrundfarbe auf blau.</a:t>
             </a:r>
             <a:endParaRPr lang="en-US" dirty="0"/>
           </a:p>
@@ -4655,13 +4640,6 @@
   <p:clrMapOvr>
     <a:masterClrMapping/>
   </p:clrMapOvr>
-  <p:timing>
-    <p:tnLst>
-      <p:par>
-        <p:cTn id="1" dur="indefinite" restart="never" nodeType="tmRoot"/>
-      </p:par>
-    </p:tnLst>
-  </p:timing>
 </p:sld>
 </file>
 
@@ -5426,7 +5404,7 @@
         </p:spPr>
         <p:txBody>
           <a:bodyPr>
-            <a:normAutofit lnSpcReduction="10000"/>
+            <a:normAutofit/>
           </a:bodyPr>
           <a:lstStyle/>
           <a:p>
@@ -7552,7 +7530,7 @@
           <a:lstStyle/>
           <a:p>
             <a:r>
-              <a:rPr lang="de-AT" dirty="0" smtClean="0"/>
+              <a:rPr lang="de-AT" dirty="0"/>
               <a:t>Übung zu DOM Manipulation Teil 2</a:t>
             </a:r>
             <a:endParaRPr lang="en-US" dirty="0"/>
@@ -7583,82 +7561,40 @@
           <a:p>
             <a:r>
               <a:rPr lang="de-DE" dirty="0"/>
-              <a:t>Aktualisiere deine </a:t>
-            </a:r>
-            <a:r>
-              <a:rPr lang="de-DE" dirty="0" smtClean="0"/>
-              <a:t>index.js-Datei</a:t>
-            </a:r>
+              <a:t>Aktualisiere deine index.js-Datei, um die Ereignisbehandlung einzubeziehen:</a:t>
+            </a:r>
+          </a:p>
+          <a:p>
             <a:r>
               <a:rPr lang="de-DE" dirty="0"/>
-              <a:t>, um die Ereignisbehandlung einzubeziehen</a:t>
-            </a:r>
-            <a:r>
-              <a:rPr lang="de-DE" dirty="0" smtClean="0"/>
-              <a:t>:</a:t>
-            </a:r>
-          </a:p>
-          <a:p>
-            <a:r>
-              <a:rPr lang="de-DE" dirty="0" smtClean="0"/>
               <a:t>Füge dem main-container einen weiteren Button mit dem Text „Dark Mode“ nur unter Verwendung von </a:t>
             </a:r>
             <a:r>
-              <a:rPr lang="de-DE" dirty="0" err="1" smtClean="0"/>
+              <a:rPr lang="de-DE" dirty="0" err="1"/>
               <a:t>Javascript</a:t>
             </a:r>
             <a:r>
-              <a:rPr lang="de-DE" dirty="0" smtClean="0"/>
+              <a:rPr lang="de-DE" dirty="0"/>
               <a:t> hinzu</a:t>
             </a:r>
-            <a:endParaRPr lang="de-DE" dirty="0"/>
           </a:p>
           <a:p>
             <a:r>
               <a:rPr lang="de-DE" dirty="0"/>
-              <a:t>Füge </a:t>
-            </a:r>
-            <a:r>
-              <a:rPr lang="de-DE" dirty="0" smtClean="0"/>
-              <a:t>dem neuen </a:t>
+              <a:t>Füge dem neuen Button einen Ereignis </a:t>
+            </a:r>
+            <a:r>
+              <a:rPr lang="de-DE" dirty="0" err="1"/>
+              <a:t>Listener</a:t>
             </a:r>
             <a:r>
               <a:rPr lang="de-DE" dirty="0"/>
-              <a:t>Button </a:t>
-            </a:r>
-            <a:r>
-              <a:rPr lang="de-DE" dirty="0" smtClean="0"/>
-              <a:t>einen Ereignis </a:t>
-            </a:r>
-            <a:r>
-              <a:rPr lang="de-DE" dirty="0" err="1" smtClean="0"/>
-              <a:t>Listener</a:t>
-            </a:r>
-            <a:r>
-              <a:rPr lang="de-DE" dirty="0" smtClean="0"/>
-              <a:t> </a:t>
-            </a:r>
+              <a:t> hinzu. Wenn darauf geklickt wird, ändert sich Hintergrundfarbe des &lt;div&gt; mit der ID "main-container" zu schwarz und die Schrift darin wird weiß. Der Text innerhalb des Buttons ändert sich zu „Light Mode“</a:t>
+            </a:r>
+          </a:p>
+          <a:p>
             <a:r>
               <a:rPr lang="de-DE" dirty="0"/>
-              <a:t>hinzu. Wenn darauf geklickt wird, </a:t>
-            </a:r>
-            <a:r>
-              <a:rPr lang="de-DE" dirty="0" smtClean="0"/>
-              <a:t>ändert sich </a:t>
-            </a:r>
-            <a:r>
-              <a:rPr lang="de-DE" dirty="0"/>
-              <a:t>Hintergrundfarbe des &lt;div&gt; mit der ID "main-container</a:t>
-            </a:r>
-            <a:r>
-              <a:rPr lang="de-DE" dirty="0" smtClean="0"/>
-              <a:t>" zu schwarz und die Schrift darin wird weiß. Der Text innerhalb des Buttons ändert sich zu „Light Mode“</a:t>
-            </a:r>
-            <a:endParaRPr lang="de-DE" dirty="0"/>
-          </a:p>
-          <a:p>
-            <a:r>
-              <a:rPr lang="de-DE" dirty="0" smtClean="0"/>
               <a:t>Wird der Button erneut geklickt dann ändert sich die Hintergrundfarbe wieder auf weiß und der Text des neuen Button zu „Dark Mode“</a:t>
             </a:r>
             <a:endParaRPr lang="en-US" dirty="0"/>
@@ -7734,15 +7670,15 @@
           <a:lstStyle/>
           <a:p>
             <a:r>
-              <a:rPr lang="de-AT" dirty="0" smtClean="0"/>
+              <a:rPr lang="de-AT" dirty="0"/>
               <a:t>Abschlussübung „The </a:t>
             </a:r>
             <a:r>
-              <a:rPr lang="de-AT" dirty="0" err="1" smtClean="0"/>
+              <a:rPr lang="de-AT" dirty="0" err="1"/>
               <a:t>Dice</a:t>
             </a:r>
             <a:r>
-              <a:rPr lang="de-AT" dirty="0" smtClean="0"/>
+              <a:rPr lang="de-AT" dirty="0"/>
               <a:t> Game“</a:t>
             </a:r>
             <a:endParaRPr lang="en-US" dirty="0"/>
@@ -7770,25 +7706,25 @@
           <a:lstStyle/>
           <a:p>
             <a:r>
-              <a:rPr lang="de-AT" dirty="0" smtClean="0"/>
+              <a:rPr lang="de-AT" dirty="0"/>
               <a:t>Schreibe JS Code um ein Spiel zu implementieren bei dem 2 Würfel zufällig geworfen werden, einer für Spieler 1 und einer für Spieler 2. </a:t>
             </a:r>
           </a:p>
           <a:p>
             <a:r>
-              <a:rPr lang="de-AT" dirty="0" smtClean="0"/>
+              <a:rPr lang="de-AT" dirty="0"/>
               <a:t>Das Programm soll je nachdem wer die höhere Zahl gewürfelt hat den Sieger ernennen. </a:t>
             </a:r>
           </a:p>
           <a:p>
             <a:r>
-              <a:rPr lang="de-AT" dirty="0" smtClean="0"/>
+              <a:rPr lang="de-AT" dirty="0"/>
               <a:t>Durch Klick auf einen Button wird das Spiel erneut gestartet	</a:t>
             </a:r>
           </a:p>
           <a:p>
             <a:r>
-              <a:rPr lang="de-AT" dirty="0" smtClean="0"/>
+              <a:rPr lang="de-AT" dirty="0"/>
               <a:t>Das HTML Grundgerüst findet ihr in euren Codebeispielen</a:t>
             </a:r>
             <a:endParaRPr lang="en-US" dirty="0"/>
@@ -7865,7 +7801,7 @@
           <a:lstStyle/>
           <a:p>
             <a:r>
-              <a:rPr lang="de-AT" dirty="0" smtClean="0"/>
+              <a:rPr lang="de-AT" dirty="0"/>
               <a:t>Abschlussübung Expert Level „Black Jack“</a:t>
             </a:r>
             <a:endParaRPr lang="en-US" dirty="0"/>
@@ -7890,82 +7826,82 @@
         </p:spPr>
         <p:txBody>
           <a:bodyPr>
-            <a:normAutofit fontScale="85000" lnSpcReduction="10000"/>
+            <a:normAutofit fontScale="85000" lnSpcReduction="20000"/>
           </a:bodyPr>
           <a:lstStyle/>
           <a:p>
             <a:r>
-              <a:rPr lang="de-AT" dirty="0" smtClean="0"/>
+              <a:rPr lang="de-AT" dirty="0"/>
               <a:t>Schreibe eine Webanwendung um ein Black Jack Spiel zu simulieren, bei der ein Spieler Black Jack gegen die Bank spielt</a:t>
             </a:r>
           </a:p>
           <a:p>
             <a:pPr lvl="1"/>
             <a:r>
-              <a:rPr lang="de-AT" dirty="0" smtClean="0"/>
+              <a:rPr lang="de-AT" dirty="0"/>
               <a:t>Der Spieler versucht so nahe wie möglich auf 21 zu kommen</a:t>
             </a:r>
           </a:p>
           <a:p>
             <a:pPr lvl="1"/>
             <a:r>
-              <a:rPr lang="de-AT" dirty="0" smtClean="0"/>
+              <a:rPr lang="de-AT" dirty="0"/>
               <a:t>Die Bank zieht Karten, so lange bis sie 16 oder mehr auf der Hand hat</a:t>
             </a:r>
           </a:p>
           <a:p>
             <a:pPr lvl="1"/>
             <a:r>
-              <a:rPr lang="de-AT" dirty="0" smtClean="0"/>
+              <a:rPr lang="de-AT" dirty="0"/>
               <a:t>Wenn Spieler oder Bank über 21 kommen, verlieren sie das Spiel</a:t>
             </a:r>
           </a:p>
           <a:p>
             <a:pPr lvl="1"/>
             <a:r>
-              <a:rPr lang="de-AT" dirty="0" smtClean="0"/>
+              <a:rPr lang="de-AT" dirty="0"/>
               <a:t>Es gewinnt derjenige der näher an 21 dran ist </a:t>
             </a:r>
           </a:p>
           <a:p>
             <a:r>
-              <a:rPr lang="de-AT" dirty="0" smtClean="0"/>
+              <a:rPr lang="de-AT" dirty="0"/>
               <a:t>Der Spieler startet mit einem vorgegebenen </a:t>
             </a:r>
             <a:r>
-              <a:rPr lang="de-AT" dirty="0" err="1" smtClean="0"/>
+              <a:rPr lang="de-AT" dirty="0" err="1"/>
               <a:t>Chipstack</a:t>
             </a:r>
-            <a:endParaRPr lang="de-AT" smtClean="0"/>
-          </a:p>
-          <a:p>
-            <a:r>
-              <a:rPr lang="de-AT" smtClean="0"/>
+            <a:endParaRPr lang="de-AT"/>
+          </a:p>
+          <a:p>
+            <a:r>
+              <a:rPr lang="de-AT"/>
               <a:t>In </a:t>
             </a:r>
             <a:r>
-              <a:rPr lang="de-AT" dirty="0" smtClean="0"/>
+              <a:rPr lang="de-AT" dirty="0"/>
               <a:t>jeder Runde wird ein fixer Einsatz seiner verfügbaren Chips eingesetzt</a:t>
             </a:r>
           </a:p>
           <a:p>
             <a:r>
-              <a:rPr lang="de-AT" dirty="0" smtClean="0"/>
+              <a:rPr lang="de-AT" dirty="0"/>
               <a:t>Der </a:t>
             </a:r>
             <a:r>
-              <a:rPr lang="de-AT" dirty="0" err="1" smtClean="0"/>
+              <a:rPr lang="de-AT" dirty="0" err="1"/>
               <a:t>Chipstack</a:t>
             </a:r>
             <a:r>
-              <a:rPr lang="de-AT" dirty="0" smtClean="0"/>
+              <a:rPr lang="de-AT" dirty="0"/>
               <a:t> des Spielers verändert sich nach jeder Runde</a:t>
             </a:r>
           </a:p>
           <a:p>
             <a:pPr lvl="1"/>
             <a:r>
-              <a:rPr lang="de-AT" dirty="0" smtClean="0"/>
+              <a:rPr lang="de-AT" dirty="0"/>
               <a:t>Gewinnt der Spieler bekommt er seinen doppelten Einsatz zurück</a:t>
             </a:r>
           </a:p>
@@ -7973,11 +7909,7 @@
             <a:pPr lvl="1"/>
             <a:r>
               <a:rPr lang="de-AT" dirty="0"/>
-              <a:t>V</a:t>
-            </a:r>
-            <a:r>
-              <a:rPr lang="de-AT" dirty="0" smtClean="0"/>
-              <a:t>erliert er die Runde verliert er auch seinen Einsatz</a:t>
+              <a:t>Verliert er die Runde verliert er auch seinen Einsatz</a:t>
             </a:r>
           </a:p>
           <a:p>
@@ -8041,6 +7973,1737 @@
       </p:grpSpPr>
       <p:sp>
         <p:nvSpPr>
+          <p:cNvPr id="2" name="Titel 1">
+            <a:extLst>
+              <a:ext uri="{FF2B5EF4-FFF2-40B4-BE49-F238E27FC236}">
+                <a16:creationId xmlns:a16="http://schemas.microsoft.com/office/drawing/2014/main" id="{14EDB47C-3834-322E-3EB0-E75C1245A3DE}"/>
+              </a:ext>
+            </a:extLst>
+          </p:cNvPr>
+          <p:cNvSpPr>
+            <a:spLocks noGrp="1"/>
+          </p:cNvSpPr>
+          <p:nvPr>
+            <p:ph type="title"/>
+          </p:nvPr>
+        </p:nvSpPr>
+        <p:spPr/>
+        <p:txBody>
+          <a:bodyPr/>
+          <a:lstStyle/>
+          <a:p>
+            <a:r>
+              <a:rPr lang="de-AT" dirty="0"/>
+              <a:t>Event </a:t>
+            </a:r>
+            <a:r>
+              <a:rPr lang="de-AT" dirty="0" err="1"/>
+              <a:t>Object</a:t>
+            </a:r>
+            <a:endParaRPr lang="de-AT" dirty="0"/>
+          </a:p>
+        </p:txBody>
+      </p:sp>
+      <p:sp>
+        <p:nvSpPr>
+          <p:cNvPr id="3" name="Inhaltsplatzhalter 2">
+            <a:extLst>
+              <a:ext uri="{FF2B5EF4-FFF2-40B4-BE49-F238E27FC236}">
+                <a16:creationId xmlns:a16="http://schemas.microsoft.com/office/drawing/2014/main" id="{D24B5791-553E-FF78-C145-082615F44B50}"/>
+              </a:ext>
+            </a:extLst>
+          </p:cNvPr>
+          <p:cNvSpPr>
+            <a:spLocks noGrp="1"/>
+          </p:cNvSpPr>
+          <p:nvPr>
+            <p:ph idx="1"/>
+          </p:nvPr>
+        </p:nvSpPr>
+        <p:spPr>
+          <a:xfrm>
+            <a:off x="1241571" y="1828716"/>
+            <a:ext cx="9115165" cy="2210207"/>
+          </a:xfrm>
+        </p:spPr>
+        <p:txBody>
+          <a:bodyPr>
+            <a:normAutofit fontScale="92500" lnSpcReduction="10000"/>
+          </a:bodyPr>
+          <a:lstStyle/>
+          <a:p>
+            <a:r>
+              <a:rPr lang="de-AT" dirty="0"/>
+              <a:t>Man bekommt auch weitere Informationen über das Event, wie zum Beispiel die gedrückte Taste bei einem </a:t>
+            </a:r>
+            <a:r>
+              <a:rPr lang="de-AT" dirty="0" err="1"/>
+              <a:t>keydown</a:t>
+            </a:r>
+            <a:r>
+              <a:rPr lang="de-AT" dirty="0"/>
+              <a:t>. </a:t>
+            </a:r>
+          </a:p>
+          <a:p>
+            <a:r>
+              <a:rPr lang="de-AT" dirty="0"/>
+              <a:t>Diese Informationen findet man im Event Objekt, das dem </a:t>
+            </a:r>
+            <a:r>
+              <a:rPr lang="de-AT" dirty="0" err="1"/>
+              <a:t>Listener</a:t>
+            </a:r>
+            <a:r>
+              <a:rPr lang="de-AT" dirty="0"/>
+              <a:t> immer als erster Parameter übergeben wird. </a:t>
+            </a:r>
+          </a:p>
+          <a:p>
+            <a:r>
+              <a:rPr lang="de-AT" dirty="0"/>
+              <a:t>Der Inhalt des Objekts unterscheidet sich je nach Event-Typ (</a:t>
+            </a:r>
+            <a:r>
+              <a:rPr lang="de-AT" dirty="0" err="1"/>
+              <a:t>mouse</a:t>
+            </a:r>
+            <a:r>
+              <a:rPr lang="de-AT" dirty="0"/>
+              <a:t>, </a:t>
+            </a:r>
+            <a:r>
+              <a:rPr lang="de-AT" dirty="0" err="1"/>
+              <a:t>keyboard</a:t>
+            </a:r>
+            <a:r>
+              <a:rPr lang="de-AT" dirty="0"/>
+              <a:t>, etc.)</a:t>
+            </a:r>
+          </a:p>
+          <a:p>
+            <a:r>
+              <a:rPr lang="de-AT" dirty="0"/>
+              <a:t>Mit dem Keyword </a:t>
+            </a:r>
+            <a:r>
+              <a:rPr lang="de-AT" b="1" dirty="0" err="1"/>
+              <a:t>this</a:t>
+            </a:r>
+            <a:r>
+              <a:rPr lang="de-AT" dirty="0"/>
+              <a:t> kann auf das auslösende HTML Element referenziert werden</a:t>
+            </a:r>
+          </a:p>
+        </p:txBody>
+      </p:sp>
+      <p:pic>
+        <p:nvPicPr>
+          <p:cNvPr id="9" name="Grafik 8">
+            <a:extLst>
+              <a:ext uri="{FF2B5EF4-FFF2-40B4-BE49-F238E27FC236}">
+                <a16:creationId xmlns:a16="http://schemas.microsoft.com/office/drawing/2014/main" id="{53697289-7DEB-851C-3897-2138BD611ED2}"/>
+              </a:ext>
+            </a:extLst>
+          </p:cNvPr>
+          <p:cNvPicPr>
+            <a:picLocks noChangeAspect="1"/>
+          </p:cNvPicPr>
+          <p:nvPr/>
+        </p:nvPicPr>
+        <p:blipFill>
+          <a:blip r:embed="rId2"/>
+          <a:stretch>
+            <a:fillRect/>
+          </a:stretch>
+        </p:blipFill>
+        <p:spPr>
+          <a:xfrm>
+            <a:off x="2511456" y="4251925"/>
+            <a:ext cx="7169086" cy="2210207"/>
+          </a:xfrm>
+          <a:prstGeom prst="rect">
+            <a:avLst/>
+          </a:prstGeom>
+        </p:spPr>
+      </p:pic>
+    </p:spTree>
+    <p:extLst>
+      <p:ext uri="{BB962C8B-B14F-4D97-AF65-F5344CB8AC3E}">
+        <p14:creationId xmlns:p14="http://schemas.microsoft.com/office/powerpoint/2010/main" val="637185437"/>
+      </p:ext>
+    </p:extLst>
+  </p:cSld>
+  <p:clrMapOvr>
+    <a:masterClrMapping/>
+  </p:clrMapOvr>
+</p:sld>
+</file>
+
+<file path=ppt/slides/slide2.xml><?xml version="1.0" encoding="utf-8"?>
+<p:sld xmlns:a="http://schemas.openxmlformats.org/drawingml/2006/main" xmlns:r="http://schemas.openxmlformats.org/officeDocument/2006/relationships" xmlns:p="http://schemas.openxmlformats.org/presentationml/2006/main">
+  <p:cSld>
+    <p:spTree>
+      <p:nvGrpSpPr>
+        <p:cNvPr id="1" name=""/>
+        <p:cNvGrpSpPr/>
+        <p:nvPr/>
+      </p:nvGrpSpPr>
+      <p:grpSpPr>
+        <a:xfrm>
+          <a:off x="0" y="0"/>
+          <a:ext cx="0" cy="0"/>
+          <a:chOff x="0" y="0"/>
+          <a:chExt cx="0" cy="0"/>
+        </a:xfrm>
+      </p:grpSpPr>
+      <p:sp>
+        <p:nvSpPr>
+          <p:cNvPr id="2" name="Titel 1">
+            <a:extLst>
+              <a:ext uri="{FF2B5EF4-FFF2-40B4-BE49-F238E27FC236}">
+                <a16:creationId xmlns:a16="http://schemas.microsoft.com/office/drawing/2014/main" id="{F456F2BD-014F-4CE8-F0A5-D27F59C9E63B}"/>
+              </a:ext>
+            </a:extLst>
+          </p:cNvPr>
+          <p:cNvSpPr>
+            <a:spLocks noGrp="1"/>
+          </p:cNvSpPr>
+          <p:nvPr>
+            <p:ph type="title"/>
+          </p:nvPr>
+        </p:nvSpPr>
+        <p:spPr>
+          <a:xfrm>
+            <a:off x="1611922" y="501162"/>
+            <a:ext cx="8915402" cy="1371600"/>
+          </a:xfrm>
+        </p:spPr>
+        <p:txBody>
+          <a:bodyPr/>
+          <a:lstStyle/>
+          <a:p>
+            <a:r>
+              <a:rPr lang="de-AT" dirty="0"/>
+              <a:t>Übersicht</a:t>
+            </a:r>
+          </a:p>
+        </p:txBody>
+      </p:sp>
+      <p:sp>
+        <p:nvSpPr>
+          <p:cNvPr id="3" name="Inhaltsplatzhalter 2">
+            <a:extLst>
+              <a:ext uri="{FF2B5EF4-FFF2-40B4-BE49-F238E27FC236}">
+                <a16:creationId xmlns:a16="http://schemas.microsoft.com/office/drawing/2014/main" id="{58EE4AEB-AC98-AED7-8380-7DB99A4C304C}"/>
+              </a:ext>
+            </a:extLst>
+          </p:cNvPr>
+          <p:cNvSpPr>
+            <a:spLocks noGrp="1"/>
+          </p:cNvSpPr>
+          <p:nvPr>
+            <p:ph idx="1"/>
+          </p:nvPr>
+        </p:nvSpPr>
+        <p:spPr>
+          <a:xfrm>
+            <a:off x="1470250" y="1956652"/>
+            <a:ext cx="4913503" cy="5006131"/>
+          </a:xfrm>
+        </p:spPr>
+        <p:txBody>
+          <a:bodyPr>
+            <a:normAutofit/>
+          </a:bodyPr>
+          <a:lstStyle/>
+          <a:p>
+            <a:r>
+              <a:rPr lang="de-AT" dirty="0" err="1"/>
+              <a:t>Javascript</a:t>
+            </a:r>
+            <a:r>
+              <a:rPr lang="de-AT" dirty="0"/>
+              <a:t> in Webseite einbinden</a:t>
+            </a:r>
+          </a:p>
+          <a:p>
+            <a:r>
+              <a:rPr lang="de-AT" dirty="0" err="1"/>
+              <a:t>Document</a:t>
+            </a:r>
+            <a:r>
+              <a:rPr lang="de-AT" dirty="0"/>
+              <a:t> </a:t>
+            </a:r>
+            <a:r>
+              <a:rPr lang="de-AT" dirty="0" err="1"/>
+              <a:t>Object</a:t>
+            </a:r>
+            <a:r>
+              <a:rPr lang="de-AT" dirty="0"/>
+              <a:t> Model (DOM)</a:t>
+            </a:r>
+          </a:p>
+          <a:p>
+            <a:r>
+              <a:rPr lang="de-AT" dirty="0"/>
+              <a:t>DOM Elemente selektieren</a:t>
+            </a:r>
+          </a:p>
+          <a:p>
+            <a:r>
+              <a:rPr lang="de-AT" dirty="0"/>
+              <a:t>Elemente bearbeiten</a:t>
+            </a:r>
+          </a:p>
+          <a:p>
+            <a:r>
+              <a:rPr lang="de-AT" dirty="0"/>
+              <a:t>Events</a:t>
+            </a:r>
+          </a:p>
+          <a:p>
+            <a:r>
+              <a:rPr lang="de-AT" dirty="0"/>
+              <a:t>Fehlerbehandlung</a:t>
+            </a:r>
+          </a:p>
+          <a:p>
+            <a:endParaRPr lang="de-AT" sz="1600" dirty="0"/>
+          </a:p>
+          <a:p>
+            <a:pPr lvl="1"/>
+            <a:endParaRPr lang="de-AT" dirty="0"/>
+          </a:p>
+          <a:p>
+            <a:pPr lvl="1"/>
+            <a:endParaRPr lang="de-AT" dirty="0"/>
+          </a:p>
+          <a:p>
+            <a:endParaRPr lang="de-AT" dirty="0"/>
+          </a:p>
+          <a:p>
+            <a:pPr marL="0" indent="0">
+              <a:buNone/>
+            </a:pPr>
+            <a:endParaRPr lang="de-AT" dirty="0"/>
+          </a:p>
+          <a:p>
+            <a:pPr lvl="2"/>
+            <a:endParaRPr lang="de-AT" dirty="0"/>
+          </a:p>
+          <a:p>
+            <a:endParaRPr lang="de-AT" dirty="0"/>
+          </a:p>
+        </p:txBody>
+      </p:sp>
+      <p:pic>
+        <p:nvPicPr>
+          <p:cNvPr id="1026" name="Picture 2" descr="JavaScript logo and symbol, meaning, history, PNG"/>
+          <p:cNvPicPr>
+            <a:picLocks noChangeAspect="1" noChangeArrowheads="1"/>
+          </p:cNvPicPr>
+          <p:nvPr/>
+        </p:nvPicPr>
+        <p:blipFill>
+          <a:blip r:embed="rId2" cstate="hqprint">
+            <a:extLst>
+              <a:ext uri="{28A0092B-C50C-407E-A947-70E740481C1C}">
+                <a14:useLocalDpi xmlns:a14="http://schemas.microsoft.com/office/drawing/2010/main" val="0"/>
+              </a:ext>
+            </a:extLst>
+          </a:blip>
+          <a:srcRect/>
+          <a:stretch>
+            <a:fillRect/>
+          </a:stretch>
+        </p:blipFill>
+        <p:spPr bwMode="auto">
+          <a:xfrm>
+            <a:off x="6794841" y="2040622"/>
+            <a:ext cx="5081025" cy="3175640"/>
+          </a:xfrm>
+          <a:prstGeom prst="rect">
+            <a:avLst/>
+          </a:prstGeom>
+          <a:noFill/>
+          <a:extLst>
+            <a:ext uri="{909E8E84-426E-40DD-AFC4-6F175D3DCCD1}">
+              <a14:hiddenFill xmlns:a14="http://schemas.microsoft.com/office/drawing/2010/main">
+                <a:solidFill>
+                  <a:srgbClr val="FFFFFF"/>
+                </a:solidFill>
+              </a14:hiddenFill>
+            </a:ext>
+          </a:extLst>
+        </p:spPr>
+      </p:pic>
+    </p:spTree>
+    <p:extLst>
+      <p:ext uri="{BB962C8B-B14F-4D97-AF65-F5344CB8AC3E}">
+        <p14:creationId xmlns:p14="http://schemas.microsoft.com/office/powerpoint/2010/main" val="2711513053"/>
+      </p:ext>
+    </p:extLst>
+  </p:cSld>
+  <p:clrMapOvr>
+    <a:masterClrMapping/>
+  </p:clrMapOvr>
+</p:sld>
+</file>
+
+<file path=ppt/slides/slide20.xml><?xml version="1.0" encoding="utf-8"?>
+<p:sld xmlns:a="http://schemas.openxmlformats.org/drawingml/2006/main" xmlns:r="http://schemas.openxmlformats.org/officeDocument/2006/relationships" xmlns:p="http://schemas.openxmlformats.org/presentationml/2006/main">
+  <p:cSld>
+    <p:spTree>
+      <p:nvGrpSpPr>
+        <p:cNvPr id="1" name=""/>
+        <p:cNvGrpSpPr/>
+        <p:nvPr/>
+      </p:nvGrpSpPr>
+      <p:grpSpPr>
+        <a:xfrm>
+          <a:off x="0" y="0"/>
+          <a:ext cx="0" cy="0"/>
+          <a:chOff x="0" y="0"/>
+          <a:chExt cx="0" cy="0"/>
+        </a:xfrm>
+      </p:grpSpPr>
+      <p:sp>
+        <p:nvSpPr>
+          <p:cNvPr id="2" name="Titel 1">
+            <a:extLst>
+              <a:ext uri="{FF2B5EF4-FFF2-40B4-BE49-F238E27FC236}">
+                <a16:creationId xmlns:a16="http://schemas.microsoft.com/office/drawing/2014/main" id="{32E8A8A9-BE2B-E157-2690-5456BBBCD159}"/>
+              </a:ext>
+            </a:extLst>
+          </p:cNvPr>
+          <p:cNvSpPr>
+            <a:spLocks noGrp="1"/>
+          </p:cNvSpPr>
+          <p:nvPr>
+            <p:ph type="title"/>
+          </p:nvPr>
+        </p:nvSpPr>
+        <p:spPr/>
+        <p:txBody>
+          <a:bodyPr/>
+          <a:lstStyle/>
+          <a:p>
+            <a:r>
+              <a:rPr lang="de-AT" dirty="0"/>
+              <a:t>Event </a:t>
+            </a:r>
+            <a:r>
+              <a:rPr lang="de-AT" dirty="0" err="1"/>
+              <a:t>Bubbling</a:t>
+            </a:r>
+            <a:endParaRPr lang="de-AT" dirty="0"/>
+          </a:p>
+        </p:txBody>
+      </p:sp>
+      <p:sp>
+        <p:nvSpPr>
+          <p:cNvPr id="3" name="Inhaltsplatzhalter 2">
+            <a:extLst>
+              <a:ext uri="{FF2B5EF4-FFF2-40B4-BE49-F238E27FC236}">
+                <a16:creationId xmlns:a16="http://schemas.microsoft.com/office/drawing/2014/main" id="{4776E97B-6CF9-69C9-8510-24E1D0CDEC04}"/>
+              </a:ext>
+            </a:extLst>
+          </p:cNvPr>
+          <p:cNvSpPr>
+            <a:spLocks noGrp="1"/>
+          </p:cNvSpPr>
+          <p:nvPr>
+            <p:ph idx="1"/>
+          </p:nvPr>
+        </p:nvSpPr>
+        <p:spPr>
+          <a:xfrm>
+            <a:off x="1065402" y="2057400"/>
+            <a:ext cx="5486400" cy="4137259"/>
+          </a:xfrm>
+        </p:spPr>
+        <p:txBody>
+          <a:bodyPr>
+            <a:normAutofit/>
+          </a:bodyPr>
+          <a:lstStyle/>
+          <a:p>
+            <a:r>
+              <a:rPr lang="de-AT" dirty="0"/>
+              <a:t>Ein Event wie zum Beispiel ein </a:t>
+            </a:r>
+            <a:r>
+              <a:rPr lang="de-AT" dirty="0" err="1"/>
+              <a:t>click</a:t>
+            </a:r>
+            <a:r>
+              <a:rPr lang="de-AT" dirty="0"/>
+              <a:t> wird nicht nur für das direkt angeklickte Element ausgelöst, sondern auch nacheinander auf alle Parent-Elemente.</a:t>
+            </a:r>
+          </a:p>
+          <a:p>
+            <a:r>
+              <a:rPr lang="de-AT" dirty="0"/>
+              <a:t>Beobachte das Verhalten, wenn du auf die verschiedenen verschachtelten Boxen klickst:</a:t>
+            </a:r>
+          </a:p>
+          <a:p>
+            <a:r>
+              <a:rPr lang="de-AT" dirty="0"/>
+              <a:t>Mit der Funktion </a:t>
+            </a:r>
+            <a:r>
+              <a:rPr lang="de-AT" dirty="0" err="1"/>
+              <a:t>event.stopPropagation</a:t>
+            </a:r>
+            <a:r>
+              <a:rPr lang="de-AT" dirty="0"/>
+              <a:t>() kann man verhindern, dass das Event an die Elternelemente weiter gegeben wird.</a:t>
+            </a:r>
+          </a:p>
+        </p:txBody>
+      </p:sp>
+      <p:pic>
+        <p:nvPicPr>
+          <p:cNvPr id="5" name="Grafik 4">
+            <a:extLst>
+              <a:ext uri="{FF2B5EF4-FFF2-40B4-BE49-F238E27FC236}">
+                <a16:creationId xmlns:a16="http://schemas.microsoft.com/office/drawing/2014/main" id="{AE6EFF27-5740-342D-C729-1A5B94BBD7FE}"/>
+              </a:ext>
+            </a:extLst>
+          </p:cNvPr>
+          <p:cNvPicPr>
+            <a:picLocks noChangeAspect="1"/>
+          </p:cNvPicPr>
+          <p:nvPr/>
+        </p:nvPicPr>
+        <p:blipFill>
+          <a:blip r:embed="rId2"/>
+          <a:stretch>
+            <a:fillRect/>
+          </a:stretch>
+        </p:blipFill>
+        <p:spPr>
+          <a:xfrm>
+            <a:off x="7213482" y="1371600"/>
+            <a:ext cx="4163194" cy="4922037"/>
+          </a:xfrm>
+          <a:prstGeom prst="rect">
+            <a:avLst/>
+          </a:prstGeom>
+        </p:spPr>
+      </p:pic>
+    </p:spTree>
+    <p:extLst>
+      <p:ext uri="{BB962C8B-B14F-4D97-AF65-F5344CB8AC3E}">
+        <p14:creationId xmlns:p14="http://schemas.microsoft.com/office/powerpoint/2010/main" val="164229190"/>
+      </p:ext>
+    </p:extLst>
+  </p:cSld>
+  <p:clrMapOvr>
+    <a:masterClrMapping/>
+  </p:clrMapOvr>
+</p:sld>
+</file>
+
+<file path=ppt/slides/slide21.xml><?xml version="1.0" encoding="utf-8"?>
+<p:sld xmlns:a="http://schemas.openxmlformats.org/drawingml/2006/main" xmlns:r="http://schemas.openxmlformats.org/officeDocument/2006/relationships" xmlns:p="http://schemas.openxmlformats.org/presentationml/2006/main">
+  <p:cSld>
+    <p:spTree>
+      <p:nvGrpSpPr>
+        <p:cNvPr id="1" name=""/>
+        <p:cNvGrpSpPr/>
+        <p:nvPr/>
+      </p:nvGrpSpPr>
+      <p:grpSpPr>
+        <a:xfrm>
+          <a:off x="0" y="0"/>
+          <a:ext cx="0" cy="0"/>
+          <a:chOff x="0" y="0"/>
+          <a:chExt cx="0" cy="0"/>
+        </a:xfrm>
+      </p:grpSpPr>
+      <p:sp>
+        <p:nvSpPr>
+          <p:cNvPr id="2" name="Titel 1">
+            <a:extLst>
+              <a:ext uri="{FF2B5EF4-FFF2-40B4-BE49-F238E27FC236}">
+                <a16:creationId xmlns:a16="http://schemas.microsoft.com/office/drawing/2014/main" id="{548C9505-F14A-F063-8FBD-D37656C90ADE}"/>
+              </a:ext>
+            </a:extLst>
+          </p:cNvPr>
+          <p:cNvSpPr>
+            <a:spLocks noGrp="1"/>
+          </p:cNvSpPr>
+          <p:nvPr>
+            <p:ph type="title"/>
+          </p:nvPr>
+        </p:nvSpPr>
+        <p:spPr/>
+        <p:txBody>
+          <a:bodyPr/>
+          <a:lstStyle/>
+          <a:p>
+            <a:r>
+              <a:rPr lang="de-AT" dirty="0"/>
+              <a:t>Audio durch Event </a:t>
+            </a:r>
+          </a:p>
+        </p:txBody>
+      </p:sp>
+      <p:sp>
+        <p:nvSpPr>
+          <p:cNvPr id="3" name="Inhaltsplatzhalter 2">
+            <a:extLst>
+              <a:ext uri="{FF2B5EF4-FFF2-40B4-BE49-F238E27FC236}">
+                <a16:creationId xmlns:a16="http://schemas.microsoft.com/office/drawing/2014/main" id="{B49C9ED4-4188-3C82-DF79-334A86FCBC64}"/>
+              </a:ext>
+            </a:extLst>
+          </p:cNvPr>
+          <p:cNvSpPr>
+            <a:spLocks noGrp="1"/>
+          </p:cNvSpPr>
+          <p:nvPr>
+            <p:ph idx="1"/>
+          </p:nvPr>
+        </p:nvSpPr>
+        <p:spPr>
+          <a:xfrm>
+            <a:off x="1638300" y="2057400"/>
+            <a:ext cx="8705326" cy="4137259"/>
+          </a:xfrm>
+        </p:spPr>
+        <p:txBody>
+          <a:bodyPr/>
+          <a:lstStyle/>
+          <a:p>
+            <a:r>
+              <a:rPr lang="de-AT" dirty="0"/>
+              <a:t>Man kann auch Audio durch Events abspielen lassen</a:t>
+            </a:r>
+          </a:p>
+          <a:p>
+            <a:r>
+              <a:rPr lang="de-AT" dirty="0"/>
+              <a:t>Dafür wird innerhalb der Funktion die der Event </a:t>
+            </a:r>
+            <a:r>
+              <a:rPr lang="de-AT" dirty="0" err="1"/>
+              <a:t>Listener</a:t>
+            </a:r>
+            <a:r>
+              <a:rPr lang="de-AT" dirty="0"/>
+              <a:t> aufruft folgender Code ausgeführt:</a:t>
+            </a:r>
+            <a:br>
+              <a:rPr lang="de-AT" dirty="0"/>
+            </a:br>
+            <a:endParaRPr lang="de-AT" dirty="0"/>
+          </a:p>
+          <a:p>
+            <a:endParaRPr lang="de-AT" dirty="0"/>
+          </a:p>
+        </p:txBody>
+      </p:sp>
+      <p:pic>
+        <p:nvPicPr>
+          <p:cNvPr id="5" name="Grafik 4">
+            <a:extLst>
+              <a:ext uri="{FF2B5EF4-FFF2-40B4-BE49-F238E27FC236}">
+                <a16:creationId xmlns:a16="http://schemas.microsoft.com/office/drawing/2014/main" id="{57A12125-7380-8C80-26FF-FCE57C8B1DA8}"/>
+              </a:ext>
+            </a:extLst>
+          </p:cNvPr>
+          <p:cNvPicPr>
+            <a:picLocks noChangeAspect="1"/>
+          </p:cNvPicPr>
+          <p:nvPr/>
+        </p:nvPicPr>
+        <p:blipFill>
+          <a:blip r:embed="rId2"/>
+          <a:stretch>
+            <a:fillRect/>
+          </a:stretch>
+        </p:blipFill>
+        <p:spPr>
+          <a:xfrm>
+            <a:off x="1950423" y="3512890"/>
+            <a:ext cx="4040540" cy="513826"/>
+          </a:xfrm>
+          <a:prstGeom prst="rect">
+            <a:avLst/>
+          </a:prstGeom>
+        </p:spPr>
+      </p:pic>
+    </p:spTree>
+    <p:extLst>
+      <p:ext uri="{BB962C8B-B14F-4D97-AF65-F5344CB8AC3E}">
+        <p14:creationId xmlns:p14="http://schemas.microsoft.com/office/powerpoint/2010/main" val="3191701189"/>
+      </p:ext>
+    </p:extLst>
+  </p:cSld>
+  <p:clrMapOvr>
+    <a:masterClrMapping/>
+  </p:clrMapOvr>
+</p:sld>
+</file>
+
+<file path=ppt/slides/slide22.xml><?xml version="1.0" encoding="utf-8"?>
+<p:sld xmlns:a="http://schemas.openxmlformats.org/drawingml/2006/main" xmlns:r="http://schemas.openxmlformats.org/officeDocument/2006/relationships" xmlns:p="http://schemas.openxmlformats.org/presentationml/2006/main">
+  <p:cSld>
+    <p:spTree>
+      <p:nvGrpSpPr>
+        <p:cNvPr id="1" name=""/>
+        <p:cNvGrpSpPr/>
+        <p:nvPr/>
+      </p:nvGrpSpPr>
+      <p:grpSpPr>
+        <a:xfrm>
+          <a:off x="0" y="0"/>
+          <a:ext cx="0" cy="0"/>
+          <a:chOff x="0" y="0"/>
+          <a:chExt cx="0" cy="0"/>
+        </a:xfrm>
+      </p:grpSpPr>
+      <p:sp>
+        <p:nvSpPr>
+          <p:cNvPr id="2" name="Titel 1">
+            <a:extLst>
+              <a:ext uri="{FF2B5EF4-FFF2-40B4-BE49-F238E27FC236}">
+                <a16:creationId xmlns:a16="http://schemas.microsoft.com/office/drawing/2014/main" id="{92DB179B-4444-9ECD-BA8B-6F1340C9D4DA}"/>
+              </a:ext>
+            </a:extLst>
+          </p:cNvPr>
+          <p:cNvSpPr>
+            <a:spLocks noGrp="1"/>
+          </p:cNvSpPr>
+          <p:nvPr>
+            <p:ph type="title"/>
+          </p:nvPr>
+        </p:nvSpPr>
+        <p:spPr/>
+        <p:txBody>
+          <a:bodyPr/>
+          <a:lstStyle/>
+          <a:p>
+            <a:r>
+              <a:rPr lang="de-AT" dirty="0"/>
+              <a:t>Übung </a:t>
+            </a:r>
+            <a:r>
+              <a:rPr lang="de-AT" dirty="0" err="1"/>
+              <a:t>Drumkit</a:t>
+            </a:r>
+            <a:r>
+              <a:rPr lang="de-AT" dirty="0"/>
+              <a:t> gemeinsam</a:t>
+            </a:r>
+          </a:p>
+        </p:txBody>
+      </p:sp>
+      <p:sp>
+        <p:nvSpPr>
+          <p:cNvPr id="3" name="Inhaltsplatzhalter 2">
+            <a:extLst>
+              <a:ext uri="{FF2B5EF4-FFF2-40B4-BE49-F238E27FC236}">
+                <a16:creationId xmlns:a16="http://schemas.microsoft.com/office/drawing/2014/main" id="{4CDB9157-3617-128B-3268-3E48141706A3}"/>
+              </a:ext>
+            </a:extLst>
+          </p:cNvPr>
+          <p:cNvSpPr>
+            <a:spLocks noGrp="1"/>
+          </p:cNvSpPr>
+          <p:nvPr>
+            <p:ph idx="1"/>
+          </p:nvPr>
+        </p:nvSpPr>
+        <p:spPr>
+          <a:xfrm>
+            <a:off x="1152144" y="2057400"/>
+            <a:ext cx="5605273" cy="4137259"/>
+          </a:xfrm>
+        </p:spPr>
+        <p:txBody>
+          <a:bodyPr/>
+          <a:lstStyle/>
+          <a:p>
+            <a:r>
+              <a:rPr lang="de-AT" dirty="0"/>
+              <a:t>Programmiere ein digitales Schlagzeug als Webapplikation</a:t>
+            </a:r>
+          </a:p>
+          <a:p>
+            <a:r>
+              <a:rPr lang="de-AT" dirty="0"/>
+              <a:t>Klänge des Schlagzeugs werden abgespielt durch:</a:t>
+            </a:r>
+          </a:p>
+          <a:p>
+            <a:pPr lvl="1"/>
+            <a:r>
+              <a:rPr lang="de-AT" dirty="0"/>
+              <a:t>Klicken auf Bilder der unterschiedlichen Drums </a:t>
+            </a:r>
+          </a:p>
+          <a:p>
+            <a:pPr lvl="1"/>
+            <a:r>
+              <a:rPr lang="de-AT" dirty="0"/>
+              <a:t>Betätigen einer der zugewiesenen Tasten des Keyboards</a:t>
+            </a:r>
+          </a:p>
+          <a:p>
+            <a:pPr marL="0" indent="0">
+              <a:buNone/>
+            </a:pPr>
+            <a:endParaRPr lang="de-AT" dirty="0"/>
+          </a:p>
+        </p:txBody>
+      </p:sp>
+      <p:pic>
+        <p:nvPicPr>
+          <p:cNvPr id="5" name="Grafik 4">
+            <a:extLst>
+              <a:ext uri="{FF2B5EF4-FFF2-40B4-BE49-F238E27FC236}">
+                <a16:creationId xmlns:a16="http://schemas.microsoft.com/office/drawing/2014/main" id="{458316B4-8015-F4C8-7356-3E94E93295AF}"/>
+              </a:ext>
+            </a:extLst>
+          </p:cNvPr>
+          <p:cNvPicPr>
+            <a:picLocks noChangeAspect="1"/>
+          </p:cNvPicPr>
+          <p:nvPr/>
+        </p:nvPicPr>
+        <p:blipFill>
+          <a:blip r:embed="rId2"/>
+          <a:stretch>
+            <a:fillRect/>
+          </a:stretch>
+        </p:blipFill>
+        <p:spPr>
+          <a:xfrm>
+            <a:off x="7099598" y="2057400"/>
+            <a:ext cx="4818082" cy="3561191"/>
+          </a:xfrm>
+          <a:prstGeom prst="rect">
+            <a:avLst/>
+          </a:prstGeom>
+        </p:spPr>
+      </p:pic>
+    </p:spTree>
+    <p:extLst>
+      <p:ext uri="{BB962C8B-B14F-4D97-AF65-F5344CB8AC3E}">
+        <p14:creationId xmlns:p14="http://schemas.microsoft.com/office/powerpoint/2010/main" val="3209310317"/>
+      </p:ext>
+    </p:extLst>
+  </p:cSld>
+  <p:clrMapOvr>
+    <a:masterClrMapping/>
+  </p:clrMapOvr>
+</p:sld>
+</file>
+
+<file path=ppt/slides/slide23.xml><?xml version="1.0" encoding="utf-8"?>
+<p:sld xmlns:a="http://schemas.openxmlformats.org/drawingml/2006/main" xmlns:r="http://schemas.openxmlformats.org/officeDocument/2006/relationships" xmlns:p="http://schemas.openxmlformats.org/presentationml/2006/main">
+  <p:cSld>
+    <p:spTree>
+      <p:nvGrpSpPr>
+        <p:cNvPr id="1" name=""/>
+        <p:cNvGrpSpPr/>
+        <p:nvPr/>
+      </p:nvGrpSpPr>
+      <p:grpSpPr>
+        <a:xfrm>
+          <a:off x="0" y="0"/>
+          <a:ext cx="0" cy="0"/>
+          <a:chOff x="0" y="0"/>
+          <a:chExt cx="0" cy="0"/>
+        </a:xfrm>
+      </p:grpSpPr>
+      <p:sp>
+        <p:nvSpPr>
+          <p:cNvPr id="2" name="Titel 1">
+            <a:extLst>
+              <a:ext uri="{FF2B5EF4-FFF2-40B4-BE49-F238E27FC236}">
+                <a16:creationId xmlns:a16="http://schemas.microsoft.com/office/drawing/2014/main" id="{EEBC8B35-7EA1-75A2-B847-3D49C2226EE2}"/>
+              </a:ext>
+            </a:extLst>
+          </p:cNvPr>
+          <p:cNvSpPr>
+            <a:spLocks noGrp="1"/>
+          </p:cNvSpPr>
+          <p:nvPr>
+            <p:ph type="title"/>
+          </p:nvPr>
+        </p:nvSpPr>
+        <p:spPr/>
+        <p:txBody>
+          <a:bodyPr/>
+          <a:lstStyle/>
+          <a:p>
+            <a:r>
+              <a:rPr lang="de-AT" dirty="0"/>
+              <a:t>Tipp: Teile und Herrsche</a:t>
+            </a:r>
+          </a:p>
+        </p:txBody>
+      </p:sp>
+      <p:sp>
+        <p:nvSpPr>
+          <p:cNvPr id="3" name="Inhaltsplatzhalter 2">
+            <a:extLst>
+              <a:ext uri="{FF2B5EF4-FFF2-40B4-BE49-F238E27FC236}">
+                <a16:creationId xmlns:a16="http://schemas.microsoft.com/office/drawing/2014/main" id="{F7E3EE24-230A-4606-705D-D14538F40A6D}"/>
+              </a:ext>
+            </a:extLst>
+          </p:cNvPr>
+          <p:cNvSpPr>
+            <a:spLocks noGrp="1"/>
+          </p:cNvSpPr>
+          <p:nvPr>
+            <p:ph idx="1"/>
+          </p:nvPr>
+        </p:nvSpPr>
+        <p:spPr>
+          <a:xfrm>
+            <a:off x="1006679" y="1946246"/>
+            <a:ext cx="7457813" cy="4248413"/>
+          </a:xfrm>
+        </p:spPr>
+        <p:txBody>
+          <a:bodyPr>
+            <a:normAutofit fontScale="92500"/>
+          </a:bodyPr>
+          <a:lstStyle/>
+          <a:p>
+            <a:r>
+              <a:rPr lang="de-AT" dirty="0"/>
+              <a:t>Zerlege ein komplexes Problem in kleinere, überschaubare Teilprobleme. Dies erleichtert das Verständnis und den Lösungsprozess.</a:t>
+            </a:r>
+          </a:p>
+          <a:p>
+            <a:r>
+              <a:rPr lang="de-AT" dirty="0"/>
+              <a:t>Gehe dabei iterativ auf mehreren Ebenen vor</a:t>
+            </a:r>
+          </a:p>
+          <a:p>
+            <a:r>
+              <a:rPr lang="de-AT" dirty="0"/>
+              <a:t>Beispiel im Kontext </a:t>
+            </a:r>
+            <a:r>
+              <a:rPr lang="de-AT" dirty="0" err="1"/>
+              <a:t>Drumkit</a:t>
+            </a:r>
+            <a:r>
+              <a:rPr lang="de-AT" dirty="0"/>
+              <a:t>: </a:t>
+            </a:r>
+          </a:p>
+          <a:p>
+            <a:pPr lvl="1"/>
+            <a:r>
+              <a:rPr lang="de-AT" dirty="0"/>
+              <a:t>1. Frontend – Aufbau der Seite mit allen Drums  </a:t>
+            </a:r>
+          </a:p>
+          <a:p>
+            <a:pPr lvl="1"/>
+            <a:r>
+              <a:rPr lang="de-AT" dirty="0"/>
+              <a:t>2. Backend – </a:t>
+            </a:r>
+            <a:r>
+              <a:rPr lang="de-AT" dirty="0" err="1"/>
+              <a:t>Javascript</a:t>
+            </a:r>
+            <a:r>
+              <a:rPr lang="de-AT" dirty="0"/>
+              <a:t> um Sounds abzuspielen</a:t>
+            </a:r>
+          </a:p>
+          <a:p>
+            <a:pPr lvl="2"/>
+            <a:r>
+              <a:rPr lang="de-AT" dirty="0"/>
+              <a:t>2.1 Sounds beim Klicken auf ein Bild</a:t>
+            </a:r>
+          </a:p>
+          <a:p>
+            <a:pPr lvl="2"/>
+            <a:r>
+              <a:rPr lang="de-AT" dirty="0"/>
+              <a:t>2.2 Sound beim Drücken der Tastatur</a:t>
+            </a:r>
+          </a:p>
+          <a:p>
+            <a:pPr lvl="3"/>
+            <a:r>
+              <a:rPr lang="de-AT" dirty="0"/>
+              <a:t>2.2.1 Aktion beim Drücken einer beliebigen Taste</a:t>
+            </a:r>
+          </a:p>
+          <a:p>
+            <a:pPr lvl="3"/>
+            <a:r>
+              <a:rPr lang="de-AT" dirty="0"/>
+              <a:t>2.2.2 Sound beim Drücken einer beliebigen Taste</a:t>
+            </a:r>
+          </a:p>
+          <a:p>
+            <a:pPr lvl="3"/>
+            <a:r>
+              <a:rPr lang="de-AT" dirty="0"/>
+              <a:t>2.2.3 Unterschiedliche Sounds beim Drücken von unterschiedlichen Tasten </a:t>
+            </a:r>
+          </a:p>
+          <a:p>
+            <a:pPr lvl="3"/>
+            <a:r>
+              <a:rPr lang="de-AT" dirty="0"/>
+              <a:t>…</a:t>
+            </a:r>
+          </a:p>
+          <a:p>
+            <a:endParaRPr lang="de-AT" dirty="0"/>
+          </a:p>
+          <a:p>
+            <a:endParaRPr lang="de-AT" dirty="0"/>
+          </a:p>
+        </p:txBody>
+      </p:sp>
+      <p:pic>
+        <p:nvPicPr>
+          <p:cNvPr id="1026" name="Picture 2" descr="Strichmännchen Serie Pumpy / teilen Stock-Vektorgrafik | Adobe Stock">
+            <a:extLst>
+              <a:ext uri="{FF2B5EF4-FFF2-40B4-BE49-F238E27FC236}">
+                <a16:creationId xmlns:a16="http://schemas.microsoft.com/office/drawing/2014/main" id="{3203232E-C371-97D3-6793-78A29C221AA5}"/>
+              </a:ext>
+            </a:extLst>
+          </p:cNvPr>
+          <p:cNvPicPr>
+            <a:picLocks noChangeAspect="1" noChangeArrowheads="1"/>
+          </p:cNvPicPr>
+          <p:nvPr/>
+        </p:nvPicPr>
+        <p:blipFill>
+          <a:blip r:embed="rId2">
+            <a:extLst>
+              <a:ext uri="{28A0092B-C50C-407E-A947-70E740481C1C}">
+                <a14:useLocalDpi xmlns:a14="http://schemas.microsoft.com/office/drawing/2010/main" val="0"/>
+              </a:ext>
+            </a:extLst>
+          </a:blip>
+          <a:srcRect/>
+          <a:stretch>
+            <a:fillRect/>
+          </a:stretch>
+        </p:blipFill>
+        <p:spPr bwMode="auto">
+          <a:xfrm>
+            <a:off x="7297256" y="2751588"/>
+            <a:ext cx="4316951" cy="2459023"/>
+          </a:xfrm>
+          <a:prstGeom prst="rect">
+            <a:avLst/>
+          </a:prstGeom>
+          <a:noFill/>
+          <a:extLst>
+            <a:ext uri="{909E8E84-426E-40DD-AFC4-6F175D3DCCD1}">
+              <a14:hiddenFill xmlns:a14="http://schemas.microsoft.com/office/drawing/2010/main">
+                <a:solidFill>
+                  <a:srgbClr val="FFFFFF"/>
+                </a:solidFill>
+              </a14:hiddenFill>
+            </a:ext>
+          </a:extLst>
+        </p:spPr>
+      </p:pic>
+    </p:spTree>
+    <p:extLst>
+      <p:ext uri="{BB962C8B-B14F-4D97-AF65-F5344CB8AC3E}">
+        <p14:creationId xmlns:p14="http://schemas.microsoft.com/office/powerpoint/2010/main" val="497325015"/>
+      </p:ext>
+    </p:extLst>
+  </p:cSld>
+  <p:clrMapOvr>
+    <a:masterClrMapping/>
+  </p:clrMapOvr>
+</p:sld>
+</file>
+
+<file path=ppt/slides/slide24.xml><?xml version="1.0" encoding="utf-8"?>
+<p:sld xmlns:a="http://schemas.openxmlformats.org/drawingml/2006/main" xmlns:r="http://schemas.openxmlformats.org/officeDocument/2006/relationships" xmlns:p="http://schemas.openxmlformats.org/presentationml/2006/main">
+  <p:cSld>
+    <p:spTree>
+      <p:nvGrpSpPr>
+        <p:cNvPr id="1" name=""/>
+        <p:cNvGrpSpPr/>
+        <p:nvPr/>
+      </p:nvGrpSpPr>
+      <p:grpSpPr>
+        <a:xfrm>
+          <a:off x="0" y="0"/>
+          <a:ext cx="0" cy="0"/>
+          <a:chOff x="0" y="0"/>
+          <a:chExt cx="0" cy="0"/>
+        </a:xfrm>
+      </p:grpSpPr>
+      <p:sp>
+        <p:nvSpPr>
+          <p:cNvPr id="2" name="Titel 1">
+            <a:extLst>
+              <a:ext uri="{FF2B5EF4-FFF2-40B4-BE49-F238E27FC236}">
+                <a16:creationId xmlns:a16="http://schemas.microsoft.com/office/drawing/2014/main" id="{1608739F-496D-5C59-76EA-F7EA5938F7FA}"/>
+              </a:ext>
+            </a:extLst>
+          </p:cNvPr>
+          <p:cNvSpPr>
+            <a:spLocks noGrp="1"/>
+          </p:cNvSpPr>
+          <p:nvPr>
+            <p:ph type="title"/>
+          </p:nvPr>
+        </p:nvSpPr>
+        <p:spPr>
+          <a:xfrm>
+            <a:off x="1043939" y="685800"/>
+            <a:ext cx="8915402" cy="1371600"/>
+          </a:xfrm>
+        </p:spPr>
+        <p:txBody>
+          <a:bodyPr/>
+          <a:lstStyle/>
+          <a:p>
+            <a:r>
+              <a:rPr lang="de-AT" dirty="0"/>
+              <a:t>Fehlerbehandlung durch Try-catch </a:t>
+            </a:r>
+          </a:p>
+        </p:txBody>
+      </p:sp>
+      <p:sp>
+        <p:nvSpPr>
+          <p:cNvPr id="3" name="Inhaltsplatzhalter 2">
+            <a:extLst>
+              <a:ext uri="{FF2B5EF4-FFF2-40B4-BE49-F238E27FC236}">
+                <a16:creationId xmlns:a16="http://schemas.microsoft.com/office/drawing/2014/main" id="{5DBB6B33-123E-5599-544A-FF1B65A99F39}"/>
+              </a:ext>
+            </a:extLst>
+          </p:cNvPr>
+          <p:cNvSpPr>
+            <a:spLocks noGrp="1"/>
+          </p:cNvSpPr>
+          <p:nvPr>
+            <p:ph idx="1"/>
+          </p:nvPr>
+        </p:nvSpPr>
+        <p:spPr>
+          <a:xfrm>
+            <a:off x="777240" y="2057400"/>
+            <a:ext cx="7534656" cy="4453128"/>
+          </a:xfrm>
+        </p:spPr>
+        <p:txBody>
+          <a:bodyPr>
+            <a:normAutofit fontScale="92500" lnSpcReduction="10000"/>
+          </a:bodyPr>
+          <a:lstStyle/>
+          <a:p>
+            <a:r>
+              <a:rPr lang="de-AT" dirty="0"/>
+              <a:t>Tritt im Programmcode ein Fehler auf, führt das für gewöhnlich zum Absturz des Programmes, bzw. zum Programmende. </a:t>
+            </a:r>
+          </a:p>
+          <a:p>
+            <a:r>
+              <a:rPr lang="de-AT" dirty="0"/>
+              <a:t>Die meisten Fehlerquellen sollten bereits im Code </a:t>
+            </a:r>
+            <a:r>
+              <a:rPr lang="de-AT" dirty="0" err="1"/>
+              <a:t>ausgemärzt</a:t>
+            </a:r>
+            <a:r>
+              <a:rPr lang="de-AT" dirty="0"/>
+              <a:t> werden (Fehler des Programmierers), jedoch gibt es unvorhersehbare Fehler, beispielsweise dass ein Server nicht erreichbar ist oder eine unerwartete Antwort schickt. </a:t>
+            </a:r>
+          </a:p>
+          <a:p>
+            <a:r>
+              <a:rPr lang="de-AT" dirty="0"/>
+              <a:t>Für solche Fälle gibt es das sogenannte </a:t>
+            </a:r>
+            <a:r>
+              <a:rPr lang="de-AT" dirty="0" err="1"/>
+              <a:t>try</a:t>
+            </a:r>
+            <a:r>
+              <a:rPr lang="de-AT" dirty="0"/>
+              <a:t>-catch, welches erlaubt, beliebige Fehler abzufangen und zu behandeln. </a:t>
+            </a:r>
+          </a:p>
+          <a:p>
+            <a:r>
+              <a:rPr lang="de-AT" dirty="0"/>
+              <a:t>Hierbei wird der Fehleranfällige Code in den </a:t>
+            </a:r>
+            <a:r>
+              <a:rPr lang="de-AT" dirty="0" err="1"/>
+              <a:t>try</a:t>
+            </a:r>
+            <a:r>
+              <a:rPr lang="de-AT" dirty="0"/>
+              <a:t> Code-Block gesetzt, tritt ein Fehler auf, wird dieser abgebrochen und man gelangt in den catch Code-Block. </a:t>
+            </a:r>
+          </a:p>
+          <a:p>
+            <a:r>
+              <a:rPr lang="de-AT" dirty="0"/>
+              <a:t>Dieser catch Code-Block erhält zudem einen Parameter (Variable), in dem man weitere Informationen zum aufgetretenen Fehler findet</a:t>
+            </a:r>
+          </a:p>
+        </p:txBody>
+      </p:sp>
+      <p:pic>
+        <p:nvPicPr>
+          <p:cNvPr id="7" name="Grafik 6">
+            <a:extLst>
+              <a:ext uri="{FF2B5EF4-FFF2-40B4-BE49-F238E27FC236}">
+                <a16:creationId xmlns:a16="http://schemas.microsoft.com/office/drawing/2014/main" id="{C680288F-0E12-41BD-FD96-20C75917B90C}"/>
+              </a:ext>
+            </a:extLst>
+          </p:cNvPr>
+          <p:cNvPicPr>
+            <a:picLocks noChangeAspect="1"/>
+          </p:cNvPicPr>
+          <p:nvPr/>
+        </p:nvPicPr>
+        <p:blipFill>
+          <a:blip r:embed="rId2"/>
+          <a:stretch>
+            <a:fillRect/>
+          </a:stretch>
+        </p:blipFill>
+        <p:spPr>
+          <a:xfrm>
+            <a:off x="8596236" y="2057400"/>
+            <a:ext cx="3260628" cy="1801368"/>
+          </a:xfrm>
+          <a:prstGeom prst="rect">
+            <a:avLst/>
+          </a:prstGeom>
+        </p:spPr>
+      </p:pic>
+    </p:spTree>
+    <p:extLst>
+      <p:ext uri="{BB962C8B-B14F-4D97-AF65-F5344CB8AC3E}">
+        <p14:creationId xmlns:p14="http://schemas.microsoft.com/office/powerpoint/2010/main" val="837805027"/>
+      </p:ext>
+    </p:extLst>
+  </p:cSld>
+  <p:clrMapOvr>
+    <a:masterClrMapping/>
+  </p:clrMapOvr>
+</p:sld>
+</file>
+
+<file path=ppt/slides/slide25.xml><?xml version="1.0" encoding="utf-8"?>
+<p:sld xmlns:a="http://schemas.openxmlformats.org/drawingml/2006/main" xmlns:r="http://schemas.openxmlformats.org/officeDocument/2006/relationships" xmlns:p="http://schemas.openxmlformats.org/presentationml/2006/main">
+  <p:cSld>
+    <p:spTree>
+      <p:nvGrpSpPr>
+        <p:cNvPr id="1" name=""/>
+        <p:cNvGrpSpPr/>
+        <p:nvPr/>
+      </p:nvGrpSpPr>
+      <p:grpSpPr>
+        <a:xfrm>
+          <a:off x="0" y="0"/>
+          <a:ext cx="0" cy="0"/>
+          <a:chOff x="0" y="0"/>
+          <a:chExt cx="0" cy="0"/>
+        </a:xfrm>
+      </p:grpSpPr>
+      <p:sp>
+        <p:nvSpPr>
+          <p:cNvPr id="2" name="Titel 1">
+            <a:extLst>
+              <a:ext uri="{FF2B5EF4-FFF2-40B4-BE49-F238E27FC236}">
+                <a16:creationId xmlns:a16="http://schemas.microsoft.com/office/drawing/2014/main" id="{89CFB0A7-2199-63B6-D7BD-286B06A2BEB4}"/>
+              </a:ext>
+            </a:extLst>
+          </p:cNvPr>
+          <p:cNvSpPr>
+            <a:spLocks noGrp="1"/>
+          </p:cNvSpPr>
+          <p:nvPr>
+            <p:ph type="title"/>
+          </p:nvPr>
+        </p:nvSpPr>
+        <p:spPr/>
+        <p:txBody>
+          <a:bodyPr/>
+          <a:lstStyle/>
+          <a:p>
+            <a:r>
+              <a:rPr lang="de-AT" dirty="0"/>
+              <a:t>Try-catch in Aktion</a:t>
+            </a:r>
+          </a:p>
+        </p:txBody>
+      </p:sp>
+      <p:sp>
+        <p:nvSpPr>
+          <p:cNvPr id="3" name="Inhaltsplatzhalter 2">
+            <a:extLst>
+              <a:ext uri="{FF2B5EF4-FFF2-40B4-BE49-F238E27FC236}">
+                <a16:creationId xmlns:a16="http://schemas.microsoft.com/office/drawing/2014/main" id="{640BAE0A-A4EE-0EE0-BFF7-7E218DC13AB3}"/>
+              </a:ext>
+            </a:extLst>
+          </p:cNvPr>
+          <p:cNvSpPr>
+            <a:spLocks noGrp="1"/>
+          </p:cNvSpPr>
+          <p:nvPr>
+            <p:ph idx="1"/>
+          </p:nvPr>
+        </p:nvSpPr>
+        <p:spPr>
+          <a:xfrm>
+            <a:off x="958792" y="2141290"/>
+            <a:ext cx="5341424" cy="4137259"/>
+          </a:xfrm>
+        </p:spPr>
+        <p:txBody>
+          <a:bodyPr/>
+          <a:lstStyle/>
+          <a:p>
+            <a:r>
+              <a:rPr lang="de-AT" dirty="0"/>
+              <a:t>Das Programm versucht den Code im </a:t>
+            </a:r>
+            <a:r>
+              <a:rPr lang="de-AT" dirty="0" err="1"/>
+              <a:t>try</a:t>
+            </a:r>
+            <a:r>
+              <a:rPr lang="de-AT" dirty="0"/>
+              <a:t>-Block auszuführen</a:t>
+            </a:r>
+          </a:p>
+          <a:p>
+            <a:r>
+              <a:rPr lang="de-AT" dirty="0"/>
+              <a:t>Kommt es zum Fehler, bricht es den Block ab und geht in den catch-Block</a:t>
+            </a:r>
+          </a:p>
+          <a:p>
+            <a:r>
+              <a:rPr lang="de-AT" dirty="0"/>
+              <a:t>Ein optionaler </a:t>
+            </a:r>
+            <a:r>
+              <a:rPr lang="de-AT" dirty="0" err="1"/>
+              <a:t>finally</a:t>
+            </a:r>
+            <a:r>
+              <a:rPr lang="de-AT" dirty="0"/>
+              <a:t>-Block wird immer ausgeführt (Code nach dem </a:t>
+            </a:r>
+            <a:r>
+              <a:rPr lang="de-AT" dirty="0" err="1"/>
+              <a:t>try</a:t>
+            </a:r>
+            <a:r>
+              <a:rPr lang="de-AT" dirty="0"/>
+              <a:t>-catch auch)</a:t>
+            </a:r>
+          </a:p>
+        </p:txBody>
+      </p:sp>
+      <p:pic>
+        <p:nvPicPr>
+          <p:cNvPr id="5" name="Grafik 4">
+            <a:extLst>
+              <a:ext uri="{FF2B5EF4-FFF2-40B4-BE49-F238E27FC236}">
+                <a16:creationId xmlns:a16="http://schemas.microsoft.com/office/drawing/2014/main" id="{F7323FA5-9B4E-8E95-3025-B65CA518D5E7}"/>
+              </a:ext>
+            </a:extLst>
+          </p:cNvPr>
+          <p:cNvPicPr>
+            <a:picLocks noChangeAspect="1"/>
+          </p:cNvPicPr>
+          <p:nvPr/>
+        </p:nvPicPr>
+        <p:blipFill>
+          <a:blip r:embed="rId2"/>
+          <a:stretch>
+            <a:fillRect/>
+          </a:stretch>
+        </p:blipFill>
+        <p:spPr>
+          <a:xfrm>
+            <a:off x="6914049" y="2141290"/>
+            <a:ext cx="4861155" cy="2736650"/>
+          </a:xfrm>
+          <a:prstGeom prst="rect">
+            <a:avLst/>
+          </a:prstGeom>
+        </p:spPr>
+      </p:pic>
+    </p:spTree>
+    <p:extLst>
+      <p:ext uri="{BB962C8B-B14F-4D97-AF65-F5344CB8AC3E}">
+        <p14:creationId xmlns:p14="http://schemas.microsoft.com/office/powerpoint/2010/main" val="3430110060"/>
+      </p:ext>
+    </p:extLst>
+  </p:cSld>
+  <p:clrMapOvr>
+    <a:masterClrMapping/>
+  </p:clrMapOvr>
+</p:sld>
+</file>
+
+<file path=ppt/slides/slide26.xml><?xml version="1.0" encoding="utf-8"?>
+<p:sld xmlns:a="http://schemas.openxmlformats.org/drawingml/2006/main" xmlns:r="http://schemas.openxmlformats.org/officeDocument/2006/relationships" xmlns:p="http://schemas.openxmlformats.org/presentationml/2006/main">
+  <p:cSld>
+    <p:spTree>
+      <p:nvGrpSpPr>
+        <p:cNvPr id="1" name=""/>
+        <p:cNvGrpSpPr/>
+        <p:nvPr/>
+      </p:nvGrpSpPr>
+      <p:grpSpPr>
+        <a:xfrm>
+          <a:off x="0" y="0"/>
+          <a:ext cx="0" cy="0"/>
+          <a:chOff x="0" y="0"/>
+          <a:chExt cx="0" cy="0"/>
+        </a:xfrm>
+      </p:grpSpPr>
+      <p:sp>
+        <p:nvSpPr>
+          <p:cNvPr id="2" name="Titel 1">
+            <a:extLst>
+              <a:ext uri="{FF2B5EF4-FFF2-40B4-BE49-F238E27FC236}">
+                <a16:creationId xmlns:a16="http://schemas.microsoft.com/office/drawing/2014/main" id="{BFAA6E1F-030E-12FF-A719-2CAB54D9B269}"/>
+              </a:ext>
+            </a:extLst>
+          </p:cNvPr>
+          <p:cNvSpPr>
+            <a:spLocks noGrp="1"/>
+          </p:cNvSpPr>
+          <p:nvPr>
+            <p:ph type="title"/>
+          </p:nvPr>
+        </p:nvSpPr>
+        <p:spPr/>
+        <p:txBody>
+          <a:bodyPr/>
+          <a:lstStyle/>
+          <a:p>
+            <a:r>
+              <a:rPr lang="de-AT" dirty="0"/>
+              <a:t>Fehler auslösen - </a:t>
+            </a:r>
+            <a:r>
+              <a:rPr lang="de-AT" dirty="0" err="1"/>
+              <a:t>Throw</a:t>
+            </a:r>
+            <a:endParaRPr lang="de-AT" dirty="0"/>
+          </a:p>
+        </p:txBody>
+      </p:sp>
+      <p:sp>
+        <p:nvSpPr>
+          <p:cNvPr id="3" name="Inhaltsplatzhalter 2">
+            <a:extLst>
+              <a:ext uri="{FF2B5EF4-FFF2-40B4-BE49-F238E27FC236}">
+                <a16:creationId xmlns:a16="http://schemas.microsoft.com/office/drawing/2014/main" id="{B93ACF97-056A-4A5C-38A3-300B5786E149}"/>
+              </a:ext>
+            </a:extLst>
+          </p:cNvPr>
+          <p:cNvSpPr>
+            <a:spLocks noGrp="1"/>
+          </p:cNvSpPr>
+          <p:nvPr>
+            <p:ph idx="1"/>
+          </p:nvPr>
+        </p:nvSpPr>
+        <p:spPr>
+          <a:xfrm>
+            <a:off x="1218851" y="1788952"/>
+            <a:ext cx="9781381" cy="4137259"/>
+          </a:xfrm>
+        </p:spPr>
+        <p:txBody>
+          <a:bodyPr/>
+          <a:lstStyle/>
+          <a:p>
+            <a:r>
+              <a:rPr lang="de-AT" dirty="0"/>
+              <a:t>Möchte man selbst einen Fehler auslösen, kann man dies mit dem Schlüsselwort </a:t>
+            </a:r>
+            <a:r>
+              <a:rPr lang="de-AT" b="1" dirty="0" err="1"/>
+              <a:t>throw</a:t>
+            </a:r>
+            <a:r>
+              <a:rPr lang="de-AT" dirty="0"/>
+              <a:t> machen. </a:t>
+            </a:r>
+          </a:p>
+          <a:p>
+            <a:r>
+              <a:rPr lang="de-AT" dirty="0"/>
+              <a:t>Diesem</a:t>
+            </a:r>
+            <a:r>
+              <a:rPr lang="de-AT" b="1" dirty="0"/>
+              <a:t> </a:t>
+            </a:r>
+            <a:r>
+              <a:rPr lang="de-AT" b="1" dirty="0" err="1"/>
+              <a:t>throw</a:t>
+            </a:r>
+            <a:r>
+              <a:rPr lang="de-AT" b="1" dirty="0"/>
+              <a:t> </a:t>
+            </a:r>
+            <a:r>
+              <a:rPr lang="de-AT" dirty="0"/>
+              <a:t>muss ein Objekt der Klasse Error folgen, </a:t>
+            </a:r>
+          </a:p>
+          <a:p>
+            <a:r>
+              <a:rPr lang="de-AT" dirty="0"/>
+              <a:t>Dieses erzeugt man mit dem </a:t>
+            </a:r>
+            <a:r>
+              <a:rPr lang="de-AT" dirty="0" err="1"/>
+              <a:t>new</a:t>
+            </a:r>
+            <a:r>
+              <a:rPr lang="de-AT" dirty="0"/>
+              <a:t> Schlüsselwort, und den runden Klammern hinter dem Klassennamen. </a:t>
+            </a:r>
+          </a:p>
+          <a:p>
+            <a:r>
+              <a:rPr lang="de-AT" dirty="0"/>
+              <a:t>Innerhalb dieser Klammern kann man dem Error eine Nachricht geben, warum der Code fehlgeschlagen ist.</a:t>
+            </a:r>
+          </a:p>
+        </p:txBody>
+      </p:sp>
+      <p:pic>
+        <p:nvPicPr>
+          <p:cNvPr id="5" name="Grafik 4">
+            <a:extLst>
+              <a:ext uri="{FF2B5EF4-FFF2-40B4-BE49-F238E27FC236}">
+                <a16:creationId xmlns:a16="http://schemas.microsoft.com/office/drawing/2014/main" id="{B33FCAE7-2E8F-7FA5-DD48-76ED5DA0E1F1}"/>
+              </a:ext>
+            </a:extLst>
+          </p:cNvPr>
+          <p:cNvPicPr>
+            <a:picLocks noChangeAspect="1"/>
+          </p:cNvPicPr>
+          <p:nvPr/>
+        </p:nvPicPr>
+        <p:blipFill>
+          <a:blip r:embed="rId2"/>
+          <a:stretch>
+            <a:fillRect/>
+          </a:stretch>
+        </p:blipFill>
+        <p:spPr>
+          <a:xfrm>
+            <a:off x="3942656" y="4540774"/>
+            <a:ext cx="6611045" cy="1727887"/>
+          </a:xfrm>
+          <a:prstGeom prst="rect">
+            <a:avLst/>
+          </a:prstGeom>
+        </p:spPr>
+      </p:pic>
+    </p:spTree>
+    <p:extLst>
+      <p:ext uri="{BB962C8B-B14F-4D97-AF65-F5344CB8AC3E}">
+        <p14:creationId xmlns:p14="http://schemas.microsoft.com/office/powerpoint/2010/main" val="1877082591"/>
+      </p:ext>
+    </p:extLst>
+  </p:cSld>
+  <p:clrMapOvr>
+    <a:masterClrMapping/>
+  </p:clrMapOvr>
+</p:sld>
+</file>
+
+<file path=ppt/slides/slide27.xml><?xml version="1.0" encoding="utf-8"?>
+<p:sld xmlns:a="http://schemas.openxmlformats.org/drawingml/2006/main" xmlns:r="http://schemas.openxmlformats.org/officeDocument/2006/relationships" xmlns:p="http://schemas.openxmlformats.org/presentationml/2006/main">
+  <p:cSld>
+    <p:spTree>
+      <p:nvGrpSpPr>
+        <p:cNvPr id="1" name=""/>
+        <p:cNvGrpSpPr/>
+        <p:nvPr/>
+      </p:nvGrpSpPr>
+      <p:grpSpPr>
+        <a:xfrm>
+          <a:off x="0" y="0"/>
+          <a:ext cx="0" cy="0"/>
+          <a:chOff x="0" y="0"/>
+          <a:chExt cx="0" cy="0"/>
+        </a:xfrm>
+      </p:grpSpPr>
+      <p:sp>
+        <p:nvSpPr>
+          <p:cNvPr id="2" name="Titel 1">
+            <a:extLst>
+              <a:ext uri="{FF2B5EF4-FFF2-40B4-BE49-F238E27FC236}">
+                <a16:creationId xmlns:a16="http://schemas.microsoft.com/office/drawing/2014/main" id="{1A9FBF71-D5F9-A170-100A-2A9FB69A15F8}"/>
+              </a:ext>
+            </a:extLst>
+          </p:cNvPr>
+          <p:cNvSpPr>
+            <a:spLocks noGrp="1"/>
+          </p:cNvSpPr>
+          <p:nvPr>
+            <p:ph type="title"/>
+          </p:nvPr>
+        </p:nvSpPr>
+        <p:spPr/>
+        <p:txBody>
+          <a:bodyPr/>
+          <a:lstStyle/>
+          <a:p>
+            <a:r>
+              <a:rPr lang="de-AT" dirty="0"/>
+              <a:t>Übung zu Fehlerbehandlung</a:t>
+            </a:r>
+          </a:p>
+        </p:txBody>
+      </p:sp>
+      <p:sp>
+        <p:nvSpPr>
+          <p:cNvPr id="3" name="Inhaltsplatzhalter 2">
+            <a:extLst>
+              <a:ext uri="{FF2B5EF4-FFF2-40B4-BE49-F238E27FC236}">
+                <a16:creationId xmlns:a16="http://schemas.microsoft.com/office/drawing/2014/main" id="{B5E9672F-F08F-5EE6-3B4D-7C71100404BC}"/>
+              </a:ext>
+            </a:extLst>
+          </p:cNvPr>
+          <p:cNvSpPr>
+            <a:spLocks noGrp="1"/>
+          </p:cNvSpPr>
+          <p:nvPr>
+            <p:ph idx="1"/>
+          </p:nvPr>
+        </p:nvSpPr>
+        <p:spPr>
+          <a:xfrm>
+            <a:off x="1060704" y="2057400"/>
+            <a:ext cx="7434072" cy="4137259"/>
+          </a:xfrm>
+        </p:spPr>
+        <p:txBody>
+          <a:bodyPr/>
+          <a:lstStyle/>
+          <a:p>
+            <a:r>
+              <a:rPr lang="de-AT" dirty="0"/>
+              <a:t>Schreibe eine Funktion die 2 Zahlen als Parameter übergibt und beide Zahlen miteinander dividiert (erste / zweite)</a:t>
+            </a:r>
+          </a:p>
+          <a:p>
+            <a:r>
+              <a:rPr lang="de-AT" dirty="0"/>
+              <a:t>Füge eine Fehlerbehandlung ein für den Fall dass:</a:t>
+            </a:r>
+          </a:p>
+          <a:p>
+            <a:pPr lvl="1"/>
+            <a:r>
+              <a:rPr lang="de-AT" dirty="0"/>
+              <a:t>Anstelle von Zahlen, Strings übergeben wurden</a:t>
+            </a:r>
+          </a:p>
+          <a:p>
+            <a:pPr lvl="1"/>
+            <a:r>
+              <a:rPr lang="de-AT" dirty="0"/>
+              <a:t>Die 2. Zahl die übergeben wurde = 0 (Division durch 0)</a:t>
+            </a:r>
+          </a:p>
+        </p:txBody>
+      </p:sp>
+      <p:pic>
+        <p:nvPicPr>
+          <p:cNvPr id="4" name="Grafik 3">
+            <a:extLst>
+              <a:ext uri="{FF2B5EF4-FFF2-40B4-BE49-F238E27FC236}">
+                <a16:creationId xmlns:a16="http://schemas.microsoft.com/office/drawing/2014/main" id="{F90E4C03-5FC9-7F0A-9691-438AE2C0BF1E}"/>
+              </a:ext>
+            </a:extLst>
+          </p:cNvPr>
+          <p:cNvPicPr>
+            <a:picLocks noChangeAspect="1"/>
+          </p:cNvPicPr>
+          <p:nvPr/>
+        </p:nvPicPr>
+        <p:blipFill>
+          <a:blip r:embed="rId2"/>
+          <a:stretch>
+            <a:fillRect/>
+          </a:stretch>
+        </p:blipFill>
+        <p:spPr>
+          <a:xfrm>
+            <a:off x="8596236" y="2057400"/>
+            <a:ext cx="3260628" cy="1801368"/>
+          </a:xfrm>
+          <a:prstGeom prst="rect">
+            <a:avLst/>
+          </a:prstGeom>
+        </p:spPr>
+      </p:pic>
+    </p:spTree>
+    <p:extLst>
+      <p:ext uri="{BB962C8B-B14F-4D97-AF65-F5344CB8AC3E}">
+        <p14:creationId xmlns:p14="http://schemas.microsoft.com/office/powerpoint/2010/main" val="3128609412"/>
+      </p:ext>
+    </p:extLst>
+  </p:cSld>
+  <p:clrMapOvr>
+    <a:masterClrMapping/>
+  </p:clrMapOvr>
+</p:sld>
+</file>
+
+<file path=ppt/slides/slide28.xml><?xml version="1.0" encoding="utf-8"?>
+<p:sld xmlns:a="http://schemas.openxmlformats.org/drawingml/2006/main" xmlns:r="http://schemas.openxmlformats.org/officeDocument/2006/relationships" xmlns:p="http://schemas.openxmlformats.org/presentationml/2006/main">
+  <p:cSld>
+    <p:spTree>
+      <p:nvGrpSpPr>
+        <p:cNvPr id="1" name=""/>
+        <p:cNvGrpSpPr/>
+        <p:nvPr/>
+      </p:nvGrpSpPr>
+      <p:grpSpPr>
+        <a:xfrm>
+          <a:off x="0" y="0"/>
+          <a:ext cx="0" cy="0"/>
+          <a:chOff x="0" y="0"/>
+          <a:chExt cx="0" cy="0"/>
+        </a:xfrm>
+      </p:grpSpPr>
+      <p:sp>
+        <p:nvSpPr>
           <p:cNvPr id="6" name="Titel 5">
             <a:extLst>
               <a:ext uri="{FF2B5EF4-FFF2-40B4-BE49-F238E27FC236}">
@@ -8132,219 +9795,6 @@
 </p:sld>
 </file>
 
-<file path=ppt/slides/slide2.xml><?xml version="1.0" encoding="utf-8"?>
-<p:sld xmlns:a="http://schemas.openxmlformats.org/drawingml/2006/main" xmlns:r="http://schemas.openxmlformats.org/officeDocument/2006/relationships" xmlns:p="http://schemas.openxmlformats.org/presentationml/2006/main">
-  <p:cSld>
-    <p:spTree>
-      <p:nvGrpSpPr>
-        <p:cNvPr id="1" name=""/>
-        <p:cNvGrpSpPr/>
-        <p:nvPr/>
-      </p:nvGrpSpPr>
-      <p:grpSpPr>
-        <a:xfrm>
-          <a:off x="0" y="0"/>
-          <a:ext cx="0" cy="0"/>
-          <a:chOff x="0" y="0"/>
-          <a:chExt cx="0" cy="0"/>
-        </a:xfrm>
-      </p:grpSpPr>
-      <p:sp>
-        <p:nvSpPr>
-          <p:cNvPr id="2" name="Titel 1">
-            <a:extLst>
-              <a:ext uri="{FF2B5EF4-FFF2-40B4-BE49-F238E27FC236}">
-                <a16:creationId xmlns:a16="http://schemas.microsoft.com/office/drawing/2014/main" id="{F456F2BD-014F-4CE8-F0A5-D27F59C9E63B}"/>
-              </a:ext>
-            </a:extLst>
-          </p:cNvPr>
-          <p:cNvSpPr>
-            <a:spLocks noGrp="1"/>
-          </p:cNvSpPr>
-          <p:nvPr>
-            <p:ph type="title"/>
-          </p:nvPr>
-        </p:nvSpPr>
-        <p:spPr>
-          <a:xfrm>
-            <a:off x="1611922" y="501162"/>
-            <a:ext cx="8915402" cy="1371600"/>
-          </a:xfrm>
-        </p:spPr>
-        <p:txBody>
-          <a:bodyPr/>
-          <a:lstStyle/>
-          <a:p>
-            <a:r>
-              <a:rPr lang="de-AT" dirty="0"/>
-              <a:t>Übersicht</a:t>
-            </a:r>
-          </a:p>
-        </p:txBody>
-      </p:sp>
-      <p:sp>
-        <p:nvSpPr>
-          <p:cNvPr id="3" name="Inhaltsplatzhalter 2">
-            <a:extLst>
-              <a:ext uri="{FF2B5EF4-FFF2-40B4-BE49-F238E27FC236}">
-                <a16:creationId xmlns:a16="http://schemas.microsoft.com/office/drawing/2014/main" id="{58EE4AEB-AC98-AED7-8380-7DB99A4C304C}"/>
-              </a:ext>
-            </a:extLst>
-          </p:cNvPr>
-          <p:cNvSpPr>
-            <a:spLocks noGrp="1"/>
-          </p:cNvSpPr>
-          <p:nvPr>
-            <p:ph idx="1"/>
-          </p:nvPr>
-        </p:nvSpPr>
-        <p:spPr>
-          <a:xfrm>
-            <a:off x="1470250" y="1956652"/>
-            <a:ext cx="4913503" cy="5006131"/>
-          </a:xfrm>
-        </p:spPr>
-        <p:txBody>
-          <a:bodyPr>
-            <a:normAutofit/>
-          </a:bodyPr>
-          <a:lstStyle/>
-          <a:p>
-            <a:r>
-              <a:rPr lang="de-AT" dirty="0" err="1"/>
-              <a:t>Javascript</a:t>
-            </a:r>
-            <a:r>
-              <a:rPr lang="de-AT" dirty="0"/>
-              <a:t> in Webseite einbinden</a:t>
-            </a:r>
-          </a:p>
-          <a:p>
-            <a:r>
-              <a:rPr lang="de-AT" dirty="0" err="1"/>
-              <a:t>Document</a:t>
-            </a:r>
-            <a:r>
-              <a:rPr lang="de-AT" dirty="0"/>
-              <a:t> </a:t>
-            </a:r>
-            <a:r>
-              <a:rPr lang="de-AT" dirty="0" err="1"/>
-              <a:t>Object</a:t>
-            </a:r>
-            <a:r>
-              <a:rPr lang="de-AT" dirty="0"/>
-              <a:t> Model (DOM)</a:t>
-            </a:r>
-          </a:p>
-          <a:p>
-            <a:r>
-              <a:rPr lang="de-AT" dirty="0"/>
-              <a:t>DOM Elemente selektieren</a:t>
-            </a:r>
-          </a:p>
-          <a:p>
-            <a:r>
-              <a:rPr lang="de-AT" dirty="0"/>
-              <a:t>Elemente bearbeiten</a:t>
-            </a:r>
-          </a:p>
-          <a:p>
-            <a:r>
-              <a:rPr lang="de-AT" dirty="0"/>
-              <a:t>Events</a:t>
-            </a:r>
-          </a:p>
-          <a:p>
-            <a:endParaRPr lang="de-AT" sz="1600" dirty="0"/>
-          </a:p>
-          <a:p>
-            <a:pPr lvl="1"/>
-            <a:endParaRPr lang="de-AT" dirty="0"/>
-          </a:p>
-          <a:p>
-            <a:pPr lvl="1"/>
-            <a:endParaRPr lang="de-AT" dirty="0"/>
-          </a:p>
-          <a:p>
-            <a:endParaRPr lang="de-AT" dirty="0"/>
-          </a:p>
-          <a:p>
-            <a:pPr marL="0" indent="0">
-              <a:buNone/>
-            </a:pPr>
-            <a:endParaRPr lang="de-AT" dirty="0"/>
-          </a:p>
-          <a:p>
-            <a:pPr lvl="2"/>
-            <a:endParaRPr lang="de-AT" dirty="0"/>
-          </a:p>
-          <a:p>
-            <a:endParaRPr lang="de-AT" dirty="0"/>
-          </a:p>
-        </p:txBody>
-      </p:sp>
-      <p:pic>
-        <p:nvPicPr>
-          <p:cNvPr id="1026" name="Picture 2" descr="JavaScript logo and symbol, meaning, history, PNG"/>
-          <p:cNvPicPr>
-            <a:picLocks noChangeAspect="1" noChangeArrowheads="1"/>
-          </p:cNvPicPr>
-          <p:nvPr/>
-        </p:nvPicPr>
-        <p:blipFill>
-          <a:blip r:embed="rId2" cstate="hqprint">
-            <a:extLst>
-              <a:ext uri="{28A0092B-C50C-407E-A947-70E740481C1C}">
-                <a14:useLocalDpi xmlns:a14="http://schemas.microsoft.com/office/drawing/2010/main" val="0"/>
-              </a:ext>
-            </a:extLst>
-          </a:blip>
-          <a:srcRect/>
-          <a:stretch>
-            <a:fillRect/>
-          </a:stretch>
-        </p:blipFill>
-        <p:spPr bwMode="auto">
-          <a:xfrm>
-            <a:off x="6794841" y="2040622"/>
-            <a:ext cx="5081025" cy="3175640"/>
-          </a:xfrm>
-          <a:prstGeom prst="rect">
-            <a:avLst/>
-          </a:prstGeom>
-          <a:noFill/>
-          <a:extLst>
-            <a:ext uri="{909E8E84-426E-40DD-AFC4-6F175D3DCCD1}">
-              <a14:hiddenFill xmlns:a14="http://schemas.microsoft.com/office/drawing/2010/main">
-                <a:solidFill>
-                  <a:srgbClr val="FFFFFF"/>
-                </a:solidFill>
-              </a14:hiddenFill>
-            </a:ext>
-          </a:extLst>
-        </p:spPr>
-      </p:pic>
-    </p:spTree>
-    <p:extLst>
-      <p:ext uri="{BB962C8B-B14F-4D97-AF65-F5344CB8AC3E}">
-        <p14:creationId xmlns:p14="http://schemas.microsoft.com/office/powerpoint/2010/main" val="2711513053"/>
-      </p:ext>
-    </p:extLst>
-  </p:cSld>
-  <p:clrMapOvr>
-    <a:masterClrMapping/>
-  </p:clrMapOvr>
-  <p:timing>
-    <p:tnLst>
-      <p:par>
-        <p:cTn id="1" dur="indefinite" restart="never" nodeType="tmRoot"/>
-      </p:par>
-    </p:tnLst>
-  </p:timing>
-</p:sld>
-</file>
-
 <file path=ppt/slides/slide3.xml><?xml version="1.0" encoding="utf-8"?>
 <p:sld xmlns:a="http://schemas.openxmlformats.org/drawingml/2006/main" xmlns:r="http://schemas.openxmlformats.org/officeDocument/2006/relationships" xmlns:p="http://schemas.openxmlformats.org/presentationml/2006/main">
   <p:cSld>
@@ -8413,7 +9863,7 @@
         </p:spPr>
         <p:txBody>
           <a:bodyPr>
-            <a:normAutofit/>
+            <a:normAutofit lnSpcReduction="10000"/>
           </a:bodyPr>
           <a:lstStyle/>
           <a:p>
@@ -8427,21 +9877,13 @@
             </a:r>
             <a:r>
               <a:rPr lang="de-AT" dirty="0"/>
-              <a:t>&gt; Tag wird JS in HTML </a:t>
-            </a:r>
-            <a:r>
-              <a:rPr lang="de-AT" dirty="0" smtClean="0"/>
-              <a:t>Eingebunden</a:t>
-            </a:r>
-          </a:p>
-          <a:p>
-            <a:r>
-              <a:rPr lang="de-AT" dirty="0" smtClean="0"/>
-              <a:t>Es </a:t>
-            </a:r>
-            <a:r>
-              <a:rPr lang="de-AT" dirty="0"/>
-              <a:t>gibt 3 unterschiedliche Möglichkeiten </a:t>
+              <a:t>&gt; Tag wird JS in HTML Eingebunden</a:t>
+            </a:r>
+          </a:p>
+          <a:p>
+            <a:r>
+              <a:rPr lang="de-AT" dirty="0"/>
+              <a:t>Es gibt 3 unterschiedliche Möglichkeiten </a:t>
             </a:r>
             <a:r>
               <a:rPr lang="de-AT" dirty="0" err="1"/>
@@ -8455,49 +9897,49 @@
           <a:p>
             <a:pPr lvl="1"/>
             <a:r>
-              <a:rPr lang="de-AT" dirty="0" smtClean="0"/>
+              <a:rPr lang="de-AT" dirty="0"/>
               <a:t>Inline</a:t>
             </a:r>
           </a:p>
           <a:p>
             <a:pPr lvl="1"/>
             <a:r>
-              <a:rPr lang="de-AT" dirty="0" smtClean="0"/>
+              <a:rPr lang="de-AT" dirty="0"/>
               <a:t>Internal</a:t>
             </a:r>
           </a:p>
           <a:p>
             <a:pPr lvl="1"/>
             <a:r>
-              <a:rPr lang="de-AT" dirty="0" smtClean="0"/>
+              <a:rPr lang="de-AT" dirty="0"/>
               <a:t>Externe </a:t>
             </a:r>
             <a:r>
-              <a:rPr lang="de-AT" dirty="0" err="1" smtClean="0"/>
+              <a:rPr lang="de-AT" dirty="0" err="1"/>
               <a:t>js</a:t>
             </a:r>
             <a:r>
-              <a:rPr lang="de-AT" dirty="0" smtClean="0"/>
+              <a:rPr lang="de-AT" dirty="0"/>
               <a:t> Files</a:t>
             </a:r>
           </a:p>
           <a:p>
             <a:r>
-              <a:rPr lang="de-AT" dirty="0" smtClean="0"/>
+              <a:rPr lang="de-AT" dirty="0"/>
               <a:t>Die Stelle an der </a:t>
             </a:r>
             <a:r>
-              <a:rPr lang="de-AT" dirty="0" err="1" smtClean="0"/>
+              <a:rPr lang="de-AT" dirty="0" err="1"/>
               <a:t>Javascript</a:t>
             </a:r>
             <a:r>
-              <a:rPr lang="de-AT" dirty="0" smtClean="0"/>
+              <a:rPr lang="de-AT" dirty="0"/>
               <a:t> im HTML eingebunden wird ist von großer Bedeutung</a:t>
             </a:r>
           </a:p>
           <a:p>
             <a:r>
-              <a:rPr lang="de-AT" dirty="0" smtClean="0"/>
+              <a:rPr lang="de-AT" dirty="0"/>
               <a:t>In den meisten Fällen am Ende des Body Tags empfehlenswert</a:t>
             </a:r>
           </a:p>
@@ -8548,13 +9990,6 @@
   <p:clrMapOvr>
     <a:masterClrMapping/>
   </p:clrMapOvr>
-  <p:timing>
-    <p:tnLst>
-      <p:par>
-        <p:cTn id="1" dur="indefinite" restart="never" nodeType="tmRoot"/>
-      </p:par>
-    </p:tnLst>
-  </p:timing>
 </p:sld>
 </file>
 
@@ -8758,13 +10193,6 @@
   <p:clrMapOvr>
     <a:masterClrMapping/>
   </p:clrMapOvr>
-  <p:timing>
-    <p:tnLst>
-      <p:par>
-        <p:cTn id="1" dur="indefinite" restart="never" nodeType="tmRoot"/>
-      </p:par>
-    </p:tnLst>
-  </p:timing>
 </p:sld>
 </file>
 
@@ -8954,13 +10382,6 @@
   <p:clrMapOvr>
     <a:masterClrMapping/>
   </p:clrMapOvr>
-  <p:timing>
-    <p:tnLst>
-      <p:par>
-        <p:cTn id="1" dur="indefinite" restart="never" nodeType="tmRoot"/>
-      </p:par>
-    </p:tnLst>
-  </p:timing>
 </p:sld>
 </file>
 
@@ -10001,7 +11422,7 @@
           <a:lstStyle/>
           <a:p>
             <a:r>
-              <a:rPr lang="de-AT" dirty="0" smtClean="0"/>
+              <a:rPr lang="de-AT" dirty="0"/>
               <a:t>Mit </a:t>
             </a:r>
             <a:r>
